--- a/PLPTH813Bioinformatis/2025/2_lab/lab12_assembly.pptx
+++ b/PLPTH813Bioinformatis/2025/2_lab/lab12_assembly.pptx
@@ -5,37 +5,38 @@
     <p:sldMasterId id="2147483648" r:id="rId1"/>
   </p:sldMasterIdLst>
   <p:notesMasterIdLst>
-    <p:notesMasterId r:id="rId30"/>
+    <p:notesMasterId r:id="rId31"/>
   </p:notesMasterIdLst>
   <p:sldIdLst>
     <p:sldId id="256" r:id="rId2"/>
     <p:sldId id="307" r:id="rId3"/>
-    <p:sldId id="322" r:id="rId4"/>
-    <p:sldId id="271" r:id="rId5"/>
-    <p:sldId id="306" r:id="rId6"/>
-    <p:sldId id="337" r:id="rId7"/>
-    <p:sldId id="308" r:id="rId8"/>
-    <p:sldId id="309" r:id="rId9"/>
-    <p:sldId id="336" r:id="rId10"/>
-    <p:sldId id="312" r:id="rId11"/>
-    <p:sldId id="323" r:id="rId12"/>
-    <p:sldId id="319" r:id="rId13"/>
-    <p:sldId id="334" r:id="rId14"/>
-    <p:sldId id="326" r:id="rId15"/>
-    <p:sldId id="327" r:id="rId16"/>
-    <p:sldId id="328" r:id="rId17"/>
-    <p:sldId id="377" r:id="rId18"/>
-    <p:sldId id="378" r:id="rId19"/>
-    <p:sldId id="379" r:id="rId20"/>
-    <p:sldId id="329" r:id="rId21"/>
-    <p:sldId id="314" r:id="rId22"/>
-    <p:sldId id="330" r:id="rId23"/>
-    <p:sldId id="380" r:id="rId24"/>
-    <p:sldId id="331" r:id="rId25"/>
-    <p:sldId id="332" r:id="rId26"/>
-    <p:sldId id="339" r:id="rId27"/>
-    <p:sldId id="335" r:id="rId28"/>
-    <p:sldId id="338" r:id="rId29"/>
+    <p:sldId id="381" r:id="rId4"/>
+    <p:sldId id="322" r:id="rId5"/>
+    <p:sldId id="271" r:id="rId6"/>
+    <p:sldId id="306" r:id="rId7"/>
+    <p:sldId id="337" r:id="rId8"/>
+    <p:sldId id="308" r:id="rId9"/>
+    <p:sldId id="309" r:id="rId10"/>
+    <p:sldId id="336" r:id="rId11"/>
+    <p:sldId id="312" r:id="rId12"/>
+    <p:sldId id="323" r:id="rId13"/>
+    <p:sldId id="319" r:id="rId14"/>
+    <p:sldId id="334" r:id="rId15"/>
+    <p:sldId id="326" r:id="rId16"/>
+    <p:sldId id="327" r:id="rId17"/>
+    <p:sldId id="328" r:id="rId18"/>
+    <p:sldId id="377" r:id="rId19"/>
+    <p:sldId id="378" r:id="rId20"/>
+    <p:sldId id="379" r:id="rId21"/>
+    <p:sldId id="329" r:id="rId22"/>
+    <p:sldId id="314" r:id="rId23"/>
+    <p:sldId id="330" r:id="rId24"/>
+    <p:sldId id="380" r:id="rId25"/>
+    <p:sldId id="331" r:id="rId26"/>
+    <p:sldId id="332" r:id="rId27"/>
+    <p:sldId id="339" r:id="rId28"/>
+    <p:sldId id="335" r:id="rId29"/>
+    <p:sldId id="338" r:id="rId30"/>
   </p:sldIdLst>
   <p:sldSz cx="9144000" cy="5143500" type="screen16x9"/>
   <p:notesSz cx="6858000" cy="9144000"/>
@@ -235,7 +236,7 @@
           <a:p>
             <a:fld id="{08E6E0A8-E17C-C949-B17E-7A1A6494483A}" type="datetimeFigureOut">
               <a:rPr lang="en-US" smtClean="0"/>
-              <a:t>4/29/25</a:t>
+              <a:t>5/1/25</a:t>
             </a:fld>
             <a:endParaRPr lang="en-US"/>
           </a:p>
@@ -1077,7 +1078,7 @@
           <a:p>
             <a:fld id="{DC2B8C24-ACAE-AE41-B565-178ED93271F0}" type="slidenum">
               <a:rPr lang="en-US" smtClean="0"/>
-              <a:t>8</a:t>
+              <a:t>9</a:t>
             </a:fld>
             <a:endParaRPr lang="en-US"/>
           </a:p>
@@ -1161,7 +1162,7 @@
           <a:p>
             <a:fld id="{DC2B8C24-ACAE-AE41-B565-178ED93271F0}" type="slidenum">
               <a:rPr lang="en-US" smtClean="0"/>
-              <a:t>11</a:t>
+              <a:t>12</a:t>
             </a:fld>
             <a:endParaRPr lang="en-US"/>
           </a:p>
@@ -1245,7 +1246,7 @@
           <a:p>
             <a:fld id="{50ECEE8D-54D1-BC43-A706-E1390DB9DFE1}" type="slidenum">
               <a:rPr lang="en-US" smtClean="0"/>
-              <a:t>17</a:t>
+              <a:t>18</a:t>
             </a:fld>
             <a:endParaRPr lang="en-US"/>
           </a:p>
@@ -1383,7 +1384,7 @@
           <a:p>
             <a:fld id="{DC2B8C24-ACAE-AE41-B565-178ED93271F0}" type="slidenum">
               <a:rPr lang="en-US" smtClean="0"/>
-              <a:t>22</a:t>
+              <a:t>23</a:t>
             </a:fld>
             <a:endParaRPr lang="en-US"/>
           </a:p>
@@ -1545,7 +1546,7 @@
           <a:p>
             <a:fld id="{DC2B8C24-ACAE-AE41-B565-178ED93271F0}" type="slidenum">
               <a:rPr lang="en-US" smtClean="0"/>
-              <a:t>23</a:t>
+              <a:t>24</a:t>
             </a:fld>
             <a:endParaRPr lang="en-US"/>
           </a:p>
@@ -1683,7 +1684,7 @@
           <a:p>
             <a:fld id="{DC2B8C24-ACAE-AE41-B565-178ED93271F0}" type="slidenum">
               <a:rPr lang="en-US" smtClean="0"/>
-              <a:t>24</a:t>
+              <a:t>25</a:t>
             </a:fld>
             <a:endParaRPr lang="en-US"/>
           </a:p>
@@ -1881,7 +1882,7 @@
           <a:p>
             <a:fld id="{42B8B0BE-C8D7-EB48-AD68-71DB5002F24B}" type="datetimeFigureOut">
               <a:rPr lang="en-US" smtClean="0"/>
-              <a:t>4/29/25</a:t>
+              <a:t>5/1/25</a:t>
             </a:fld>
             <a:endParaRPr lang="en-US"/>
           </a:p>
@@ -2049,7 +2050,7 @@
           <a:p>
             <a:fld id="{42B8B0BE-C8D7-EB48-AD68-71DB5002F24B}" type="datetimeFigureOut">
               <a:rPr lang="en-US" smtClean="0"/>
-              <a:t>4/29/25</a:t>
+              <a:t>5/1/25</a:t>
             </a:fld>
             <a:endParaRPr lang="en-US"/>
           </a:p>
@@ -2227,7 +2228,7 @@
           <a:p>
             <a:fld id="{42B8B0BE-C8D7-EB48-AD68-71DB5002F24B}" type="datetimeFigureOut">
               <a:rPr lang="en-US" smtClean="0"/>
-              <a:t>4/29/25</a:t>
+              <a:t>5/1/25</a:t>
             </a:fld>
             <a:endParaRPr lang="en-US"/>
           </a:p>
@@ -2395,7 +2396,7 @@
           <a:p>
             <a:fld id="{42B8B0BE-C8D7-EB48-AD68-71DB5002F24B}" type="datetimeFigureOut">
               <a:rPr lang="en-US" smtClean="0"/>
-              <a:t>4/29/25</a:t>
+              <a:t>5/1/25</a:t>
             </a:fld>
             <a:endParaRPr lang="en-US"/>
           </a:p>
@@ -2640,7 +2641,7 @@
           <a:p>
             <a:fld id="{42B8B0BE-C8D7-EB48-AD68-71DB5002F24B}" type="datetimeFigureOut">
               <a:rPr lang="en-US" smtClean="0"/>
-              <a:t>4/29/25</a:t>
+              <a:t>5/1/25</a:t>
             </a:fld>
             <a:endParaRPr lang="en-US"/>
           </a:p>
@@ -2925,7 +2926,7 @@
           <a:p>
             <a:fld id="{42B8B0BE-C8D7-EB48-AD68-71DB5002F24B}" type="datetimeFigureOut">
               <a:rPr lang="en-US" smtClean="0"/>
-              <a:t>4/29/25</a:t>
+              <a:t>5/1/25</a:t>
             </a:fld>
             <a:endParaRPr lang="en-US"/>
           </a:p>
@@ -3344,7 +3345,7 @@
           <a:p>
             <a:fld id="{42B8B0BE-C8D7-EB48-AD68-71DB5002F24B}" type="datetimeFigureOut">
               <a:rPr lang="en-US" smtClean="0"/>
-              <a:t>4/29/25</a:t>
+              <a:t>5/1/25</a:t>
             </a:fld>
             <a:endParaRPr lang="en-US"/>
           </a:p>
@@ -3461,7 +3462,7 @@
           <a:p>
             <a:fld id="{42B8B0BE-C8D7-EB48-AD68-71DB5002F24B}" type="datetimeFigureOut">
               <a:rPr lang="en-US" smtClean="0"/>
-              <a:t>4/29/25</a:t>
+              <a:t>5/1/25</a:t>
             </a:fld>
             <a:endParaRPr lang="en-US"/>
           </a:p>
@@ -3556,7 +3557,7 @@
           <a:p>
             <a:fld id="{42B8B0BE-C8D7-EB48-AD68-71DB5002F24B}" type="datetimeFigureOut">
               <a:rPr lang="en-US" smtClean="0"/>
-              <a:t>4/29/25</a:t>
+              <a:t>5/1/25</a:t>
             </a:fld>
             <a:endParaRPr lang="en-US"/>
           </a:p>
@@ -3831,7 +3832,7 @@
           <a:p>
             <a:fld id="{42B8B0BE-C8D7-EB48-AD68-71DB5002F24B}" type="datetimeFigureOut">
               <a:rPr lang="en-US" smtClean="0"/>
-              <a:t>4/29/25</a:t>
+              <a:t>5/1/25</a:t>
             </a:fld>
             <a:endParaRPr lang="en-US"/>
           </a:p>
@@ -4083,7 +4084,7 @@
           <a:p>
             <a:fld id="{42B8B0BE-C8D7-EB48-AD68-71DB5002F24B}" type="datetimeFigureOut">
               <a:rPr lang="en-US" smtClean="0"/>
-              <a:t>4/29/25</a:t>
+              <a:t>5/1/25</a:t>
             </a:fld>
             <a:endParaRPr lang="en-US"/>
           </a:p>
@@ -4294,7 +4295,7 @@
           <a:p>
             <a:fld id="{42B8B0BE-C8D7-EB48-AD68-71DB5002F24B}" type="datetimeFigureOut">
               <a:rPr lang="en-US" smtClean="0"/>
-              <a:t>4/29/25</a:t>
+              <a:t>5/1/25</a:t>
             </a:fld>
             <a:endParaRPr lang="en-US"/>
           </a:p>
@@ -4741,7 +4742,7 @@
           <a:p>
             <a:r>
               <a:rPr lang="en-US" sz="2800" dirty="0"/>
-              <a:t>4/13/2023</a:t>
+              <a:t>5/1/2025</a:t>
             </a:r>
           </a:p>
         </p:txBody>
@@ -4778,7 +4779,13 @@
       </p:grpSpPr>
       <p:sp>
         <p:nvSpPr>
-          <p:cNvPr id="2" name="Title 1"/>
+          <p:cNvPr id="2" name="Title 1">
+            <a:extLst>
+              <a:ext uri="{FF2B5EF4-FFF2-40B4-BE49-F238E27FC236}">
+                <a16:creationId xmlns:a16="http://schemas.microsoft.com/office/drawing/2014/main" id="{CD286305-DAF4-F238-F7D6-F7207E4E7C41}"/>
+              </a:ext>
+            </a:extLst>
+          </p:cNvPr>
           <p:cNvSpPr>
             <a:spLocks noGrp="1"/>
           </p:cNvSpPr>
@@ -4788,8 +4795,8 @@
         </p:nvSpPr>
         <p:spPr>
           <a:xfrm>
-            <a:off x="457200" y="207390"/>
-            <a:ext cx="8229600" cy="743553"/>
+            <a:off x="457200" y="253112"/>
+            <a:ext cx="8229600" cy="698995"/>
           </a:xfrm>
         </p:spPr>
         <p:txBody>
@@ -4799,64 +4806,141 @@
           <a:lstStyle/>
           <a:p>
             <a:r>
+              <a:rPr lang="en-US" sz="3200" dirty="0" err="1"/>
+              <a:t>Slurm</a:t>
+            </a:r>
+            <a:r>
               <a:rPr lang="en-US" sz="3200" dirty="0"/>
-              <a:t>MG1655 k-mer31 assembled result</a:t>
+              <a:t>: job scheduler</a:t>
             </a:r>
           </a:p>
         </p:txBody>
       </p:sp>
       <p:sp>
         <p:nvSpPr>
-          <p:cNvPr id="3" name="Content Placeholder 2"/>
+          <p:cNvPr id="4" name="AutoShape 2" descr="On remote">
+            <a:extLst>
+              <a:ext uri="{FF2B5EF4-FFF2-40B4-BE49-F238E27FC236}">
+                <a16:creationId xmlns:a16="http://schemas.microsoft.com/office/drawing/2014/main" id="{5B5F2A39-4965-A7AE-3F4C-3EA40694E06F}"/>
+              </a:ext>
+            </a:extLst>
+          </p:cNvPr>
           <p:cNvSpPr>
-            <a:spLocks noGrp="1"/>
+            <a:spLocks noGrp="1" noChangeAspect="1" noChangeArrowheads="1"/>
           </p:cNvSpPr>
           <p:nvPr>
             <p:ph idx="1"/>
           </p:nvPr>
         </p:nvSpPr>
-        <p:spPr>
+        <p:spPr bwMode="auto">
           <a:xfrm>
-            <a:off x="914400" y="1431710"/>
-            <a:ext cx="7593874" cy="2706657"/>
+            <a:off x="663137" y="2027186"/>
+            <a:ext cx="8108503" cy="1089127"/>
           </a:xfrm>
+          <a:prstGeom prst="rect">
+            <a:avLst/>
+          </a:prstGeom>
+          <a:noFill/>
+          <a:extLst>
+            <a:ext uri="{909E8E84-426E-40DD-AFC4-6F175D3DCCD1}">
+              <a14:hiddenFill xmlns:a14="http://schemas.microsoft.com/office/drawing/2010/main">
+                <a:solidFill>
+                  <a:srgbClr val="FFFFFF"/>
+                </a:solidFill>
+              </a14:hiddenFill>
+            </a:ext>
+          </a:extLst>
         </p:spPr>
         <p:txBody>
-          <a:bodyPr>
-            <a:noAutofit/>
+          <a:bodyPr vert="horz" wrap="square" lIns="91440" tIns="45720" rIns="91440" bIns="45720" numCol="1" rtlCol="0" anchor="t" anchorCtr="0" compatLnSpc="1">
+            <a:prstTxWarp prst="textNoShape">
+              <a:avLst/>
+            </a:prstTxWarp>
+            <a:normAutofit/>
           </a:bodyPr>
           <a:lstStyle/>
           <a:p>
-            <a:r>
-              <a:rPr lang="en-US" sz="2800" dirty="0"/>
-              <a:t>MG1655kmer31.contig</a:t>
-            </a:r>
-          </a:p>
-          <a:p>
-            <a:r>
-              <a:rPr lang="en-US" sz="2800" dirty="0"/>
-              <a:t>MG1655kmer31.scafSeq</a:t>
-            </a:r>
-          </a:p>
-          <a:p>
-            <a:r>
-              <a:rPr lang="en-US" sz="2800" dirty="0"/>
-              <a:t>MG1655kmer31.scafStatistics</a:t>
-            </a:r>
-          </a:p>
-          <a:p>
-            <a:endParaRPr lang="en-US" sz="2800" dirty="0"/>
-          </a:p>
-          <a:p>
             <a:pPr marL="0" indent="0">
               <a:buNone/>
             </a:pPr>
             <a:r>
+              <a:rPr lang="en-US" sz="2800" b="1" dirty="0" err="1">
+                <a:solidFill>
+                  <a:schemeClr val="accent1">
+                    <a:lumMod val="75000"/>
+                  </a:schemeClr>
+                </a:solidFill>
+                <a:latin typeface="Courier New" panose="02070309020205020404" pitchFamily="49" charset="0"/>
+                <a:cs typeface="Courier New" panose="02070309020205020404" pitchFamily="49" charset="0"/>
+              </a:rPr>
+              <a:t>sbatch</a:t>
+            </a:r>
+            <a:r>
+              <a:rPr lang="en-US" sz="2800" b="1" dirty="0">
+                <a:solidFill>
+                  <a:schemeClr val="accent1">
+                    <a:lumMod val="75000"/>
+                  </a:schemeClr>
+                </a:solidFill>
+                <a:latin typeface="Courier New" panose="02070309020205020404" pitchFamily="49" charset="0"/>
+                <a:cs typeface="Courier New" panose="02070309020205020404" pitchFamily="49" charset="0"/>
+              </a:rPr>
+              <a:t> </a:t>
+            </a:r>
+            <a:r>
+              <a:rPr lang="en-US" sz="2800" b="1" dirty="0" err="1">
+                <a:solidFill>
+                  <a:schemeClr val="accent1">
+                    <a:lumMod val="75000"/>
+                  </a:schemeClr>
+                </a:solidFill>
+                <a:latin typeface="Courier New" panose="02070309020205020404" pitchFamily="49" charset="0"/>
+                <a:cs typeface="Courier New" panose="02070309020205020404" pitchFamily="49" charset="0"/>
+              </a:rPr>
+              <a:t>xxx.sbatch</a:t>
+            </a:r>
+            <a:r>
               <a:rPr lang="en-US" sz="2800" dirty="0">
-                <a:latin typeface="Courier"/>
-                <a:cs typeface="Courier"/>
-              </a:rPr>
-              <a:t>more MG1655kmer31.scafStatistics</a:t>
+                <a:latin typeface="Courier New" panose="02070309020205020404" pitchFamily="49" charset="0"/>
+                <a:cs typeface="Courier New" panose="02070309020205020404" pitchFamily="49" charset="0"/>
+              </a:rPr>
+              <a:t> # to submit jobs</a:t>
+            </a:r>
+          </a:p>
+          <a:p>
+            <a:pPr marL="0" indent="0">
+              <a:buNone/>
+            </a:pPr>
+            <a:r>
+              <a:rPr lang="en-US" sz="2800" b="1" dirty="0" err="1">
+                <a:solidFill>
+                  <a:schemeClr val="accent1">
+                    <a:lumMod val="75000"/>
+                  </a:schemeClr>
+                </a:solidFill>
+                <a:latin typeface="Courier New" panose="02070309020205020404" pitchFamily="49" charset="0"/>
+                <a:cs typeface="Courier New" panose="02070309020205020404" pitchFamily="49" charset="0"/>
+              </a:rPr>
+              <a:t>kstat</a:t>
+            </a:r>
+            <a:r>
+              <a:rPr lang="en-US" sz="2800" b="1" dirty="0">
+                <a:solidFill>
+                  <a:schemeClr val="accent1">
+                    <a:lumMod val="75000"/>
+                  </a:schemeClr>
+                </a:solidFill>
+                <a:latin typeface="Courier New" panose="02070309020205020404" pitchFamily="49" charset="0"/>
+                <a:cs typeface="Courier New" panose="02070309020205020404" pitchFamily="49" charset="0"/>
+              </a:rPr>
+              <a:t> -d 1 </a:t>
+            </a:r>
+            <a:r>
+              <a:rPr lang="en-US" sz="2800" dirty="0">
+                <a:latin typeface="Courier New" panose="02070309020205020404" pitchFamily="49" charset="0"/>
+                <a:cs typeface="Courier New" panose="02070309020205020404" pitchFamily="49" charset="0"/>
+              </a:rPr>
+              <a:t># to monitor jobs</a:t>
             </a:r>
           </a:p>
         </p:txBody>
@@ -4864,7 +4948,7 @@
     </p:spTree>
     <p:extLst>
       <p:ext uri="{BB962C8B-B14F-4D97-AF65-F5344CB8AC3E}">
-        <p14:creationId xmlns:p14="http://schemas.microsoft.com/office/powerpoint/2010/main" val="1277516500"/>
+        <p14:creationId xmlns:p14="http://schemas.microsoft.com/office/powerpoint/2010/main" val="2395388734"/>
       </p:ext>
     </p:extLst>
   </p:cSld>
@@ -4903,8 +4987,8 @@
         </p:nvSpPr>
         <p:spPr>
           <a:xfrm>
-            <a:off x="457200" y="66652"/>
-            <a:ext cx="8229600" cy="624380"/>
+            <a:off x="457200" y="207390"/>
+            <a:ext cx="8229600" cy="743553"/>
           </a:xfrm>
         </p:spPr>
         <p:txBody>
@@ -4914,20 +4998,16 @@
           <a:lstStyle/>
           <a:p>
             <a:r>
-              <a:rPr lang="en-US" dirty="0" err="1"/>
-              <a:t>SOAPdenovo</a:t>
-            </a:r>
-            <a:r>
-              <a:rPr lang="en-US" dirty="0"/>
-              <a:t> guide</a:t>
+              <a:rPr lang="en-US" sz="3200" dirty="0"/>
+              <a:t>MG1655 k-mer31 assembled result</a:t>
             </a:r>
           </a:p>
         </p:txBody>
       </p:sp>
       <p:sp>
         <p:nvSpPr>
-          <p:cNvPr id="4" name="Content Placeholder 3"/>
-          <p:cNvSpPr txBox="1">
+          <p:cNvPr id="3" name="Content Placeholder 2"/>
+          <p:cNvSpPr>
             <a:spLocks noGrp="1"/>
           </p:cNvSpPr>
           <p:nvPr>
@@ -4936,721 +5016,46 @@
         </p:nvSpPr>
         <p:spPr>
           <a:xfrm>
-            <a:off x="4730444" y="691032"/>
-            <a:ext cx="4141413" cy="338554"/>
+            <a:off x="914400" y="1431710"/>
+            <a:ext cx="7593874" cy="2706657"/>
           </a:xfrm>
-          <a:prstGeom prst="rect">
-            <a:avLst/>
-          </a:prstGeom>
-          <a:noFill/>
         </p:spPr>
         <p:txBody>
-          <a:bodyPr wrap="square" rtlCol="0">
-            <a:spAutoFit/>
+          <a:bodyPr>
+            <a:noAutofit/>
           </a:bodyPr>
           <a:lstStyle/>
           <a:p>
+            <a:r>
+              <a:rPr lang="en-US" sz="2800" dirty="0"/>
+              <a:t>MG1655kmer31.contig</a:t>
+            </a:r>
+          </a:p>
+          <a:p>
+            <a:r>
+              <a:rPr lang="en-US" sz="2800" dirty="0"/>
+              <a:t>MG1655kmer31.scafSeq</a:t>
+            </a:r>
+          </a:p>
+          <a:p>
+            <a:r>
+              <a:rPr lang="en-US" sz="2800" dirty="0"/>
+              <a:t>MG1655kmer31.scafStatistics</a:t>
+            </a:r>
+          </a:p>
+          <a:p>
+            <a:endParaRPr lang="en-US" sz="2800" dirty="0"/>
+          </a:p>
+          <a:p>
             <a:pPr marL="0" indent="0">
               <a:buNone/>
             </a:pPr>
             <a:r>
-              <a:rPr lang="en-US" sz="1600" dirty="0"/>
-              <a:t>http://</a:t>
-            </a:r>
-            <a:r>
-              <a:rPr lang="en-US" sz="1600" dirty="0" err="1"/>
-              <a:t>soap.genomics.org.cn</a:t>
-            </a:r>
-            <a:r>
-              <a:rPr lang="en-US" sz="1600" dirty="0"/>
-              <a:t>/</a:t>
-            </a:r>
-            <a:r>
-              <a:rPr lang="en-US" sz="1600" dirty="0" err="1"/>
-              <a:t>soapdenovo.html</a:t>
-            </a:r>
-            <a:endParaRPr lang="en-US" sz="1600" dirty="0"/>
-          </a:p>
-        </p:txBody>
-      </p:sp>
-      <p:sp>
-        <p:nvSpPr>
-          <p:cNvPr id="5" name="TextBox 4"/>
-          <p:cNvSpPr txBox="1"/>
-          <p:nvPr/>
-        </p:nvSpPr>
-        <p:spPr>
-          <a:xfrm>
-            <a:off x="610303" y="691032"/>
-            <a:ext cx="7659446" cy="4385816"/>
-          </a:xfrm>
-          <a:prstGeom prst="rect">
-            <a:avLst/>
-          </a:prstGeom>
-          <a:noFill/>
-        </p:spPr>
-        <p:txBody>
-          <a:bodyPr wrap="square" rtlCol="0">
-            <a:spAutoFit/>
-          </a:bodyPr>
-          <a:lstStyle/>
-          <a:p>
-            <a:r>
-              <a:rPr lang="en-US" sz="900" dirty="0"/>
-              <a:t>-s &lt;string&gt;    </a:t>
-            </a:r>
-            <a:r>
-              <a:rPr lang="en-US" sz="900" dirty="0" err="1"/>
-              <a:t>configFile</a:t>
-            </a:r>
-            <a:r>
-              <a:rPr lang="en-US" sz="900" dirty="0"/>
-              <a:t>: the </a:t>
-            </a:r>
-            <a:r>
-              <a:rPr lang="en-US" sz="900" dirty="0" err="1"/>
-              <a:t>config</a:t>
-            </a:r>
-            <a:r>
-              <a:rPr lang="en-US" sz="900" dirty="0"/>
-              <a:t> file of </a:t>
-            </a:r>
-            <a:r>
-              <a:rPr lang="en-US" sz="900" dirty="0" err="1"/>
-              <a:t>solexa</a:t>
-            </a:r>
-            <a:r>
-              <a:rPr lang="en-US" sz="900" dirty="0"/>
-              <a:t> reads</a:t>
-            </a:r>
-          </a:p>
-          <a:p>
-            <a:r>
-              <a:rPr lang="en-US" sz="900" dirty="0"/>
-              <a:t>-o &lt;string&gt;    </a:t>
-            </a:r>
-            <a:r>
-              <a:rPr lang="en-US" sz="900" dirty="0" err="1"/>
-              <a:t>outputGraph</a:t>
-            </a:r>
-            <a:r>
-              <a:rPr lang="en-US" sz="900" dirty="0"/>
-              <a:t>: prefix of output graph file name</a:t>
-            </a:r>
-          </a:p>
-          <a:p>
-            <a:r>
-              <a:rPr lang="en-US" sz="900" dirty="0"/>
-              <a:t>-K &lt;</a:t>
-            </a:r>
-            <a:r>
-              <a:rPr lang="en-US" sz="900" dirty="0" err="1"/>
-              <a:t>int</a:t>
-            </a:r>
-            <a:r>
-              <a:rPr lang="en-US" sz="900" dirty="0"/>
-              <a:t>&gt;       </a:t>
-            </a:r>
-            <a:r>
-              <a:rPr lang="en-US" sz="900" dirty="0" err="1"/>
-              <a:t>kmer</a:t>
-            </a:r>
-            <a:r>
-              <a:rPr lang="en-US" sz="900" dirty="0"/>
-              <a:t>(min 13, max 63/127): </a:t>
-            </a:r>
-            <a:r>
-              <a:rPr lang="en-US" sz="900" dirty="0" err="1"/>
-              <a:t>kmer</a:t>
-            </a:r>
-            <a:r>
-              <a:rPr lang="en-US" sz="900" dirty="0"/>
-              <a:t> size, [23]</a:t>
-            </a:r>
-          </a:p>
-          <a:p>
-            <a:r>
-              <a:rPr lang="en-US" sz="900" dirty="0"/>
-              <a:t>-p &lt;</a:t>
-            </a:r>
-            <a:r>
-              <a:rPr lang="en-US" sz="900" dirty="0" err="1"/>
-              <a:t>int</a:t>
-            </a:r>
-            <a:r>
-              <a:rPr lang="en-US" sz="900" dirty="0"/>
-              <a:t>&gt;       </a:t>
-            </a:r>
-            <a:r>
-              <a:rPr lang="en-US" sz="900" dirty="0" err="1"/>
-              <a:t>n_cpu</a:t>
-            </a:r>
-            <a:r>
-              <a:rPr lang="en-US" sz="900" dirty="0"/>
-              <a:t>: number of </a:t>
-            </a:r>
-            <a:r>
-              <a:rPr lang="en-US" sz="900" dirty="0" err="1"/>
-              <a:t>cpu</a:t>
-            </a:r>
-            <a:r>
-              <a:rPr lang="en-US" sz="900" dirty="0"/>
-              <a:t> for use, [8]</a:t>
-            </a:r>
-          </a:p>
-          <a:p>
-            <a:r>
-              <a:rPr lang="en-US" sz="900" dirty="0"/>
-              <a:t>-a &lt;</a:t>
-            </a:r>
-            <a:r>
-              <a:rPr lang="en-US" sz="900" dirty="0" err="1"/>
-              <a:t>int</a:t>
-            </a:r>
-            <a:r>
-              <a:rPr lang="en-US" sz="900" dirty="0"/>
-              <a:t>&gt;       </a:t>
-            </a:r>
-            <a:r>
-              <a:rPr lang="en-US" sz="900" dirty="0" err="1"/>
-              <a:t>initMemoryAssumption</a:t>
-            </a:r>
-            <a:r>
-              <a:rPr lang="en-US" sz="900" dirty="0"/>
-              <a:t>: memory assumption initialized to avoid further reallocation, unit G, [0]</a:t>
-            </a:r>
-          </a:p>
-          <a:p>
-            <a:r>
-              <a:rPr lang="en-US" sz="900" dirty="0"/>
-              <a:t>-d &lt;</a:t>
-            </a:r>
-            <a:r>
-              <a:rPr lang="en-US" sz="900" dirty="0" err="1"/>
-              <a:t>int</a:t>
-            </a:r>
-            <a:r>
-              <a:rPr lang="en-US" sz="900" dirty="0"/>
-              <a:t>&gt;       </a:t>
-            </a:r>
-            <a:r>
-              <a:rPr lang="en-US" sz="900" dirty="0" err="1"/>
-              <a:t>KmerFreqCutoff</a:t>
-            </a:r>
-            <a:r>
-              <a:rPr lang="en-US" sz="900" dirty="0"/>
-              <a:t>: </a:t>
-            </a:r>
-            <a:r>
-              <a:rPr lang="en-US" sz="900" dirty="0" err="1"/>
-              <a:t>kmers</a:t>
-            </a:r>
-            <a:r>
-              <a:rPr lang="en-US" sz="900" dirty="0"/>
-              <a:t> with frequency no larger than </a:t>
-            </a:r>
-            <a:r>
-              <a:rPr lang="en-US" sz="900" dirty="0" err="1"/>
-              <a:t>KmerFreqCutoff</a:t>
-            </a:r>
-            <a:r>
-              <a:rPr lang="en-US" sz="900" dirty="0"/>
-              <a:t> will be deleted, [0]</a:t>
-            </a:r>
-          </a:p>
-          <a:p>
-            <a:r>
-              <a:rPr lang="en-US" sz="900" dirty="0"/>
-              <a:t>-R (optional)  resolve repeats by reads, [NO]</a:t>
-            </a:r>
-          </a:p>
-          <a:p>
-            <a:r>
-              <a:rPr lang="en-US" sz="900" dirty="0"/>
-              <a:t>-D &lt;</a:t>
-            </a:r>
-            <a:r>
-              <a:rPr lang="en-US" sz="900" dirty="0" err="1"/>
-              <a:t>int</a:t>
-            </a:r>
-            <a:r>
-              <a:rPr lang="en-US" sz="900" dirty="0"/>
-              <a:t>&gt;       </a:t>
-            </a:r>
-            <a:r>
-              <a:rPr lang="en-US" sz="900" dirty="0" err="1"/>
-              <a:t>EdgeCovCutoff</a:t>
-            </a:r>
-            <a:r>
-              <a:rPr lang="en-US" sz="900" dirty="0"/>
-              <a:t>: edges with coverage no larger than </a:t>
-            </a:r>
-            <a:r>
-              <a:rPr lang="en-US" sz="900" dirty="0" err="1"/>
-              <a:t>EdgeCovCutoff</a:t>
-            </a:r>
-            <a:r>
-              <a:rPr lang="en-US" sz="900" dirty="0"/>
-              <a:t> will be deleted, [1]</a:t>
-            </a:r>
-          </a:p>
-          <a:p>
-            <a:r>
-              <a:rPr lang="en-US" sz="900" dirty="0"/>
-              <a:t>-M &lt;</a:t>
-            </a:r>
-            <a:r>
-              <a:rPr lang="en-US" sz="900" dirty="0" err="1"/>
-              <a:t>int</a:t>
-            </a:r>
-            <a:r>
-              <a:rPr lang="en-US" sz="900" dirty="0"/>
-              <a:t>&gt;       </a:t>
-            </a:r>
-            <a:r>
-              <a:rPr lang="en-US" sz="900" dirty="0" err="1"/>
-              <a:t>mergeLevel</a:t>
-            </a:r>
-            <a:r>
-              <a:rPr lang="en-US" sz="900" dirty="0"/>
-              <a:t>(min 0, max 3): the strength of merging similar sequences during </a:t>
-            </a:r>
-            <a:r>
-              <a:rPr lang="en-US" sz="900" dirty="0" err="1"/>
-              <a:t>contiging</a:t>
-            </a:r>
-            <a:r>
-              <a:rPr lang="en-US" sz="900" dirty="0"/>
-              <a:t>, [1]</a:t>
-            </a:r>
-          </a:p>
-          <a:p>
-            <a:r>
-              <a:rPr lang="en-US" sz="900" dirty="0"/>
-              <a:t>-m &lt;</a:t>
-            </a:r>
-            <a:r>
-              <a:rPr lang="en-US" sz="900" dirty="0" err="1"/>
-              <a:t>int</a:t>
-            </a:r>
-            <a:r>
-              <a:rPr lang="en-US" sz="900" dirty="0"/>
-              <a:t>&gt;       max k when using multi </a:t>
-            </a:r>
-            <a:r>
-              <a:rPr lang="en-US" sz="900" dirty="0" err="1"/>
-              <a:t>kmer</a:t>
-            </a:r>
-            <a:endParaRPr lang="en-US" sz="900" dirty="0"/>
-          </a:p>
-          <a:p>
-            <a:r>
-              <a:rPr lang="en-US" sz="900" dirty="0"/>
-              <a:t>-e &lt;</a:t>
-            </a:r>
-            <a:r>
-              <a:rPr lang="en-US" sz="900" dirty="0" err="1"/>
-              <a:t>int</a:t>
-            </a:r>
-            <a:r>
-              <a:rPr lang="en-US" sz="900" dirty="0"/>
-              <a:t>&gt;       weight to filter arc when linearize two edges(default 0)</a:t>
-            </a:r>
-          </a:p>
-          <a:p>
-            <a:r>
-              <a:rPr lang="en-US" sz="900" dirty="0"/>
-              <a:t>-r (optional)  keep available read(*.read)</a:t>
-            </a:r>
-          </a:p>
-          <a:p>
-            <a:r>
-              <a:rPr lang="en-US" sz="900" dirty="0"/>
-              <a:t>-E (optional)  merge clean bubble before iterate</a:t>
-            </a:r>
-          </a:p>
-          <a:p>
-            <a:r>
-              <a:rPr lang="en-US" sz="900" dirty="0"/>
-              <a:t>-f (optional)  output gap related reads in map step for using </a:t>
-            </a:r>
-            <a:r>
-              <a:rPr lang="en-US" sz="900" dirty="0" err="1"/>
-              <a:t>SRkgf</a:t>
-            </a:r>
-            <a:r>
-              <a:rPr lang="en-US" sz="900" dirty="0"/>
-              <a:t> to fill gap, [NO]</a:t>
-            </a:r>
-          </a:p>
-          <a:p>
-            <a:r>
-              <a:rPr lang="en-US" sz="900" dirty="0"/>
-              <a:t>-k &lt;</a:t>
-            </a:r>
-            <a:r>
-              <a:rPr lang="en-US" sz="900" dirty="0" err="1"/>
-              <a:t>int</a:t>
-            </a:r>
-            <a:r>
-              <a:rPr lang="en-US" sz="900" dirty="0"/>
-              <a:t>&gt;       kmer_R2C(min 13, max 63): </a:t>
-            </a:r>
-            <a:r>
-              <a:rPr lang="en-US" sz="900" dirty="0" err="1"/>
-              <a:t>kmer</a:t>
-            </a:r>
-            <a:r>
-              <a:rPr lang="en-US" sz="900" dirty="0"/>
-              <a:t> size used for mapping read to </a:t>
-            </a:r>
-            <a:r>
-              <a:rPr lang="en-US" sz="900" dirty="0" err="1"/>
-              <a:t>contig</a:t>
-            </a:r>
-            <a:r>
-              <a:rPr lang="en-US" sz="900" dirty="0"/>
-              <a:t>, [K]</a:t>
-            </a:r>
-          </a:p>
-          <a:p>
-            <a:r>
-              <a:rPr lang="en-US" sz="900" dirty="0"/>
-              <a:t>-F (optional)  fill gaps in scaffold, [NO]</a:t>
-            </a:r>
-          </a:p>
-          <a:p>
-            <a:r>
-              <a:rPr lang="en-US" sz="900" dirty="0"/>
-              <a:t>-u (optional)  un-mask </a:t>
-            </a:r>
-            <a:r>
-              <a:rPr lang="en-US" sz="900" dirty="0" err="1"/>
-              <a:t>contigs</a:t>
-            </a:r>
-            <a:r>
-              <a:rPr lang="en-US" sz="900" dirty="0"/>
-              <a:t> with high/low coverage before scaffolding, [mask]</a:t>
-            </a:r>
-          </a:p>
-          <a:p>
-            <a:r>
-              <a:rPr lang="en-US" sz="900" dirty="0"/>
-              <a:t>-w (optional)  keep </a:t>
-            </a:r>
-            <a:r>
-              <a:rPr lang="en-US" sz="900" dirty="0" err="1"/>
-              <a:t>contigs</a:t>
-            </a:r>
-            <a:r>
-              <a:rPr lang="en-US" sz="900" dirty="0"/>
-              <a:t> weakly connected to other </a:t>
-            </a:r>
-            <a:r>
-              <a:rPr lang="en-US" sz="900" dirty="0" err="1"/>
-              <a:t>contigs</a:t>
-            </a:r>
-            <a:r>
-              <a:rPr lang="en-US" sz="900" dirty="0"/>
-              <a:t> in scaffold, [NO]</a:t>
-            </a:r>
-          </a:p>
-          <a:p>
-            <a:r>
-              <a:rPr lang="en-US" sz="900" dirty="0"/>
-              <a:t>-G &lt;</a:t>
-            </a:r>
-            <a:r>
-              <a:rPr lang="en-US" sz="900" dirty="0" err="1"/>
-              <a:t>int</a:t>
-            </a:r>
-            <a:r>
-              <a:rPr lang="en-US" sz="900" dirty="0"/>
-              <a:t>&gt;       </a:t>
-            </a:r>
-            <a:r>
-              <a:rPr lang="en-US" sz="900" dirty="0" err="1"/>
-              <a:t>gapLenDiff</a:t>
-            </a:r>
-            <a:r>
-              <a:rPr lang="en-US" sz="900" dirty="0"/>
-              <a:t>: allowed length difference between estimated and filled gap, [50]</a:t>
-            </a:r>
-          </a:p>
-          <a:p>
-            <a:r>
-              <a:rPr lang="en-US" sz="900" dirty="0"/>
-              <a:t>-L &lt;</a:t>
-            </a:r>
-            <a:r>
-              <a:rPr lang="en-US" sz="900" dirty="0" err="1"/>
-              <a:t>int</a:t>
-            </a:r>
-            <a:r>
-              <a:rPr lang="en-US" sz="900" dirty="0"/>
-              <a:t>&gt;       </a:t>
-            </a:r>
-            <a:r>
-              <a:rPr lang="en-US" sz="900" dirty="0" err="1"/>
-              <a:t>minContigLen</a:t>
-            </a:r>
-            <a:r>
-              <a:rPr lang="en-US" sz="900" dirty="0"/>
-              <a:t>: shortest </a:t>
-            </a:r>
-            <a:r>
-              <a:rPr lang="en-US" sz="900" dirty="0" err="1"/>
-              <a:t>contig</a:t>
-            </a:r>
-            <a:r>
-              <a:rPr lang="en-US" sz="900" dirty="0"/>
-              <a:t> for scaffolding, [K+2]</a:t>
-            </a:r>
-          </a:p>
-          <a:p>
-            <a:r>
-              <a:rPr lang="en-US" sz="900" dirty="0"/>
-              <a:t>-c &lt;float&gt;     </a:t>
-            </a:r>
-            <a:r>
-              <a:rPr lang="en-US" sz="900" dirty="0" err="1"/>
-              <a:t>minContigCvg</a:t>
-            </a:r>
-            <a:r>
-              <a:rPr lang="en-US" sz="900" dirty="0"/>
-              <a:t>: minimum </a:t>
-            </a:r>
-            <a:r>
-              <a:rPr lang="en-US" sz="900" dirty="0" err="1"/>
-              <a:t>contig</a:t>
-            </a:r>
-            <a:r>
-              <a:rPr lang="en-US" sz="900" dirty="0"/>
-              <a:t> coverage (c*</a:t>
-            </a:r>
-            <a:r>
-              <a:rPr lang="en-US" sz="900" dirty="0" err="1"/>
-              <a:t>avgCvg</a:t>
-            </a:r>
-            <a:r>
-              <a:rPr lang="en-US" sz="900" dirty="0"/>
-              <a:t>), </a:t>
-            </a:r>
-            <a:r>
-              <a:rPr lang="en-US" sz="900" dirty="0" err="1"/>
-              <a:t>contigs</a:t>
-            </a:r>
-            <a:r>
-              <a:rPr lang="en-US" sz="900" dirty="0"/>
-              <a:t> shorter than 100bp with coverage smaller </a:t>
-            </a:r>
-          </a:p>
-          <a:p>
-            <a:r>
-              <a:rPr lang="en-US" sz="900" dirty="0"/>
-              <a:t>than c*</a:t>
-            </a:r>
-            <a:r>
-              <a:rPr lang="en-US" sz="900" dirty="0" err="1"/>
-              <a:t>avgCvg</a:t>
-            </a:r>
-            <a:r>
-              <a:rPr lang="en-US" sz="900" dirty="0"/>
-              <a:t> will be masked before scaffolding unless -u is set, [0.1]</a:t>
-            </a:r>
-          </a:p>
-          <a:p>
-            <a:r>
-              <a:rPr lang="en-US" sz="900" dirty="0"/>
-              <a:t>-C &lt;float&gt;     </a:t>
-            </a:r>
-            <a:r>
-              <a:rPr lang="en-US" sz="900" dirty="0" err="1"/>
-              <a:t>maxContigCvg</a:t>
-            </a:r>
-            <a:r>
-              <a:rPr lang="en-US" sz="900" dirty="0"/>
-              <a:t>: maximum </a:t>
-            </a:r>
-            <a:r>
-              <a:rPr lang="en-US" sz="900" dirty="0" err="1"/>
-              <a:t>contig</a:t>
-            </a:r>
-            <a:r>
-              <a:rPr lang="en-US" sz="900" dirty="0"/>
-              <a:t> coverage (C*</a:t>
-            </a:r>
-            <a:r>
-              <a:rPr lang="en-US" sz="900" dirty="0" err="1"/>
-              <a:t>avgCvg</a:t>
-            </a:r>
-            <a:r>
-              <a:rPr lang="en-US" sz="900" dirty="0"/>
-              <a:t>), </a:t>
-            </a:r>
-            <a:r>
-              <a:rPr lang="en-US" sz="900" dirty="0" err="1"/>
-              <a:t>contigs</a:t>
-            </a:r>
-            <a:r>
-              <a:rPr lang="en-US" sz="900" dirty="0"/>
-              <a:t> with coverage larger than C*</a:t>
-            </a:r>
-            <a:r>
-              <a:rPr lang="en-US" sz="900" dirty="0" err="1"/>
-              <a:t>avgCvg</a:t>
-            </a:r>
-            <a:r>
-              <a:rPr lang="en-US" sz="900" dirty="0"/>
-              <a:t> or </a:t>
-            </a:r>
-          </a:p>
-          <a:p>
-            <a:r>
-              <a:rPr lang="en-US" sz="900" dirty="0" err="1"/>
-              <a:t>contigs</a:t>
-            </a:r>
-            <a:r>
-              <a:rPr lang="en-US" sz="900" dirty="0"/>
-              <a:t> shorter than 100bp with coverage larger than 0.8*C*</a:t>
-            </a:r>
-            <a:r>
-              <a:rPr lang="en-US" sz="900" dirty="0" err="1"/>
-              <a:t>avgCvg</a:t>
-            </a:r>
-            <a:r>
-              <a:rPr lang="en-US" sz="900" dirty="0"/>
-              <a:t> will be masked before scaffolding unless -u is </a:t>
-            </a:r>
-          </a:p>
-          <a:p>
-            <a:r>
-              <a:rPr lang="en-US" sz="900" dirty="0"/>
-              <a:t>set, [2]</a:t>
-            </a:r>
-          </a:p>
-          <a:p>
-            <a:r>
-              <a:rPr lang="en-US" sz="900" dirty="0"/>
-              <a:t>-b &lt;float&gt;     </a:t>
-            </a:r>
-            <a:r>
-              <a:rPr lang="en-US" sz="900" dirty="0" err="1"/>
-              <a:t>insertSizeUpperBound</a:t>
-            </a:r>
-            <a:r>
-              <a:rPr lang="en-US" sz="900" dirty="0"/>
-              <a:t>: (b*</a:t>
-            </a:r>
-            <a:r>
-              <a:rPr lang="en-US" sz="900" dirty="0" err="1"/>
-              <a:t>avg_ins</a:t>
-            </a:r>
-            <a:r>
-              <a:rPr lang="en-US" sz="900" dirty="0"/>
-              <a:t>) will be used as upper bound of insert size for large insert size</a:t>
-            </a:r>
-          </a:p>
-          <a:p>
-            <a:r>
-              <a:rPr lang="en-US" sz="900" dirty="0"/>
-              <a:t>( &gt; 1000) when handling pair-end connections between </a:t>
-            </a:r>
-            <a:r>
-              <a:rPr lang="en-US" sz="900" dirty="0" err="1"/>
-              <a:t>contigs</a:t>
-            </a:r>
-            <a:r>
-              <a:rPr lang="en-US" sz="900" dirty="0"/>
-              <a:t> if b is set to larger than 1, [1.5]</a:t>
-            </a:r>
-          </a:p>
-          <a:p>
-            <a:r>
-              <a:rPr lang="en-US" sz="900" dirty="0"/>
-              <a:t>-B &lt;float&gt;     </a:t>
-            </a:r>
-            <a:r>
-              <a:rPr lang="en-US" sz="900" dirty="0" err="1"/>
-              <a:t>bubbleCoverage</a:t>
-            </a:r>
-            <a:r>
-              <a:rPr lang="en-US" sz="900" dirty="0"/>
-              <a:t>: remove </a:t>
-            </a:r>
-            <a:r>
-              <a:rPr lang="en-US" sz="900" dirty="0" err="1"/>
-              <a:t>contig</a:t>
-            </a:r>
-            <a:r>
-              <a:rPr lang="en-US" sz="900" dirty="0"/>
-              <a:t> with lower </a:t>
-            </a:r>
-            <a:r>
-              <a:rPr lang="en-US" sz="900" dirty="0" err="1"/>
-              <a:t>cvoerage</a:t>
-            </a:r>
-            <a:r>
-              <a:rPr lang="en-US" sz="900" dirty="0"/>
-              <a:t> in bubble structure if both </a:t>
-            </a:r>
-            <a:r>
-              <a:rPr lang="en-US" sz="900" dirty="0" err="1"/>
-              <a:t>contigs</a:t>
-            </a:r>
-            <a:r>
-              <a:rPr lang="en-US" sz="900" dirty="0"/>
-              <a:t>' coverage are </a:t>
-            </a:r>
-          </a:p>
-          <a:p>
-            <a:r>
-              <a:rPr lang="en-US" sz="900" dirty="0"/>
-              <a:t>smaller than </a:t>
-            </a:r>
-            <a:r>
-              <a:rPr lang="en-US" sz="900" dirty="0" err="1"/>
-              <a:t>bubbleCoverage</a:t>
-            </a:r>
-            <a:r>
-              <a:rPr lang="en-US" sz="900" dirty="0"/>
-              <a:t>*</a:t>
-            </a:r>
-            <a:r>
-              <a:rPr lang="en-US" sz="900" dirty="0" err="1"/>
-              <a:t>avgCvg</a:t>
-            </a:r>
-            <a:r>
-              <a:rPr lang="en-US" sz="900" dirty="0"/>
-              <a:t>, [0.6]</a:t>
-            </a:r>
-          </a:p>
-          <a:p>
-            <a:r>
-              <a:rPr lang="en-US" sz="900" dirty="0"/>
-              <a:t>-N &lt;</a:t>
-            </a:r>
-            <a:r>
-              <a:rPr lang="en-US" sz="900" dirty="0" err="1"/>
-              <a:t>int</a:t>
-            </a:r>
-            <a:r>
-              <a:rPr lang="en-US" sz="900" dirty="0"/>
-              <a:t>&gt;       </a:t>
-            </a:r>
-            <a:r>
-              <a:rPr lang="en-US" sz="900" dirty="0" err="1"/>
-              <a:t>genomeSize</a:t>
-            </a:r>
-            <a:r>
-              <a:rPr lang="en-US" sz="900" dirty="0"/>
-              <a:t>: genome size for statistics, [0]</a:t>
-            </a:r>
-          </a:p>
-          <a:p>
-            <a:r>
-              <a:rPr lang="en-US" sz="900" dirty="0"/>
-              <a:t>-V (optional)  output visualization information of assembly, [NO]</a:t>
+              <a:rPr lang="en-US" sz="2800" dirty="0">
+                <a:latin typeface="Courier"/>
+                <a:cs typeface="Courier"/>
+              </a:rPr>
+              <a:t>more MG1655kmer31.scafStatistics</a:t>
             </a:r>
           </a:p>
         </p:txBody>
@@ -5658,7 +5063,7 @@
     </p:spTree>
     <p:extLst>
       <p:ext uri="{BB962C8B-B14F-4D97-AF65-F5344CB8AC3E}">
-        <p14:creationId xmlns:p14="http://schemas.microsoft.com/office/powerpoint/2010/main" val="3124282564"/>
+        <p14:creationId xmlns:p14="http://schemas.microsoft.com/office/powerpoint/2010/main" val="1277516500"/>
       </p:ext>
     </p:extLst>
   </p:cSld>
@@ -5697,6 +5102,800 @@
         </p:nvSpPr>
         <p:spPr>
           <a:xfrm>
+            <a:off x="457200" y="66652"/>
+            <a:ext cx="8229600" cy="624380"/>
+          </a:xfrm>
+        </p:spPr>
+        <p:txBody>
+          <a:bodyPr>
+            <a:normAutofit/>
+          </a:bodyPr>
+          <a:lstStyle/>
+          <a:p>
+            <a:r>
+              <a:rPr lang="en-US" dirty="0" err="1"/>
+              <a:t>SOAPdenovo</a:t>
+            </a:r>
+            <a:r>
+              <a:rPr lang="en-US" dirty="0"/>
+              <a:t> guide</a:t>
+            </a:r>
+          </a:p>
+        </p:txBody>
+      </p:sp>
+      <p:sp>
+        <p:nvSpPr>
+          <p:cNvPr id="4" name="Content Placeholder 3"/>
+          <p:cNvSpPr txBox="1">
+            <a:spLocks noGrp="1"/>
+          </p:cNvSpPr>
+          <p:nvPr>
+            <p:ph idx="1"/>
+          </p:nvPr>
+        </p:nvSpPr>
+        <p:spPr>
+          <a:xfrm>
+            <a:off x="4730444" y="691032"/>
+            <a:ext cx="4141413" cy="338554"/>
+          </a:xfrm>
+          <a:prstGeom prst="rect">
+            <a:avLst/>
+          </a:prstGeom>
+          <a:noFill/>
+        </p:spPr>
+        <p:txBody>
+          <a:bodyPr wrap="square" rtlCol="0">
+            <a:spAutoFit/>
+          </a:bodyPr>
+          <a:lstStyle/>
+          <a:p>
+            <a:pPr marL="0" indent="0">
+              <a:buNone/>
+            </a:pPr>
+            <a:r>
+              <a:rPr lang="en-US" sz="1600" dirty="0"/>
+              <a:t>http://</a:t>
+            </a:r>
+            <a:r>
+              <a:rPr lang="en-US" sz="1600" dirty="0" err="1"/>
+              <a:t>soap.genomics.org.cn</a:t>
+            </a:r>
+            <a:r>
+              <a:rPr lang="en-US" sz="1600" dirty="0"/>
+              <a:t>/</a:t>
+            </a:r>
+            <a:r>
+              <a:rPr lang="en-US" sz="1600" dirty="0" err="1"/>
+              <a:t>soapdenovo.html</a:t>
+            </a:r>
+            <a:endParaRPr lang="en-US" sz="1600" dirty="0"/>
+          </a:p>
+        </p:txBody>
+      </p:sp>
+      <p:sp>
+        <p:nvSpPr>
+          <p:cNvPr id="5" name="TextBox 4"/>
+          <p:cNvSpPr txBox="1"/>
+          <p:nvPr/>
+        </p:nvSpPr>
+        <p:spPr>
+          <a:xfrm>
+            <a:off x="610303" y="691032"/>
+            <a:ext cx="7659446" cy="4385816"/>
+          </a:xfrm>
+          <a:prstGeom prst="rect">
+            <a:avLst/>
+          </a:prstGeom>
+          <a:noFill/>
+        </p:spPr>
+        <p:txBody>
+          <a:bodyPr wrap="square" rtlCol="0">
+            <a:spAutoFit/>
+          </a:bodyPr>
+          <a:lstStyle/>
+          <a:p>
+            <a:r>
+              <a:rPr lang="en-US" sz="900" dirty="0"/>
+              <a:t>-s &lt;string&gt;    </a:t>
+            </a:r>
+            <a:r>
+              <a:rPr lang="en-US" sz="900" dirty="0" err="1"/>
+              <a:t>configFile</a:t>
+            </a:r>
+            <a:r>
+              <a:rPr lang="en-US" sz="900" dirty="0"/>
+              <a:t>: the </a:t>
+            </a:r>
+            <a:r>
+              <a:rPr lang="en-US" sz="900" dirty="0" err="1"/>
+              <a:t>config</a:t>
+            </a:r>
+            <a:r>
+              <a:rPr lang="en-US" sz="900" dirty="0"/>
+              <a:t> file of </a:t>
+            </a:r>
+            <a:r>
+              <a:rPr lang="en-US" sz="900" dirty="0" err="1"/>
+              <a:t>solexa</a:t>
+            </a:r>
+            <a:r>
+              <a:rPr lang="en-US" sz="900" dirty="0"/>
+              <a:t> reads</a:t>
+            </a:r>
+          </a:p>
+          <a:p>
+            <a:r>
+              <a:rPr lang="en-US" sz="900" dirty="0"/>
+              <a:t>-o &lt;string&gt;    </a:t>
+            </a:r>
+            <a:r>
+              <a:rPr lang="en-US" sz="900" dirty="0" err="1"/>
+              <a:t>outputGraph</a:t>
+            </a:r>
+            <a:r>
+              <a:rPr lang="en-US" sz="900" dirty="0"/>
+              <a:t>: prefix of output graph file name</a:t>
+            </a:r>
+          </a:p>
+          <a:p>
+            <a:r>
+              <a:rPr lang="en-US" sz="900" dirty="0"/>
+              <a:t>-K &lt;</a:t>
+            </a:r>
+            <a:r>
+              <a:rPr lang="en-US" sz="900" dirty="0" err="1"/>
+              <a:t>int</a:t>
+            </a:r>
+            <a:r>
+              <a:rPr lang="en-US" sz="900" dirty="0"/>
+              <a:t>&gt;       </a:t>
+            </a:r>
+            <a:r>
+              <a:rPr lang="en-US" sz="900" dirty="0" err="1"/>
+              <a:t>kmer</a:t>
+            </a:r>
+            <a:r>
+              <a:rPr lang="en-US" sz="900" dirty="0"/>
+              <a:t>(min 13, max 63/127): </a:t>
+            </a:r>
+            <a:r>
+              <a:rPr lang="en-US" sz="900" dirty="0" err="1"/>
+              <a:t>kmer</a:t>
+            </a:r>
+            <a:r>
+              <a:rPr lang="en-US" sz="900" dirty="0"/>
+              <a:t> size, [23]</a:t>
+            </a:r>
+          </a:p>
+          <a:p>
+            <a:r>
+              <a:rPr lang="en-US" sz="900" dirty="0"/>
+              <a:t>-p &lt;</a:t>
+            </a:r>
+            <a:r>
+              <a:rPr lang="en-US" sz="900" dirty="0" err="1"/>
+              <a:t>int</a:t>
+            </a:r>
+            <a:r>
+              <a:rPr lang="en-US" sz="900" dirty="0"/>
+              <a:t>&gt;       </a:t>
+            </a:r>
+            <a:r>
+              <a:rPr lang="en-US" sz="900" dirty="0" err="1"/>
+              <a:t>n_cpu</a:t>
+            </a:r>
+            <a:r>
+              <a:rPr lang="en-US" sz="900" dirty="0"/>
+              <a:t>: number of </a:t>
+            </a:r>
+            <a:r>
+              <a:rPr lang="en-US" sz="900" dirty="0" err="1"/>
+              <a:t>cpu</a:t>
+            </a:r>
+            <a:r>
+              <a:rPr lang="en-US" sz="900" dirty="0"/>
+              <a:t> for use, [8]</a:t>
+            </a:r>
+          </a:p>
+          <a:p>
+            <a:r>
+              <a:rPr lang="en-US" sz="900" dirty="0"/>
+              <a:t>-a &lt;</a:t>
+            </a:r>
+            <a:r>
+              <a:rPr lang="en-US" sz="900" dirty="0" err="1"/>
+              <a:t>int</a:t>
+            </a:r>
+            <a:r>
+              <a:rPr lang="en-US" sz="900" dirty="0"/>
+              <a:t>&gt;       </a:t>
+            </a:r>
+            <a:r>
+              <a:rPr lang="en-US" sz="900" dirty="0" err="1"/>
+              <a:t>initMemoryAssumption</a:t>
+            </a:r>
+            <a:r>
+              <a:rPr lang="en-US" sz="900" dirty="0"/>
+              <a:t>: memory assumption initialized to avoid further reallocation, unit G, [0]</a:t>
+            </a:r>
+          </a:p>
+          <a:p>
+            <a:r>
+              <a:rPr lang="en-US" sz="900" dirty="0"/>
+              <a:t>-d &lt;</a:t>
+            </a:r>
+            <a:r>
+              <a:rPr lang="en-US" sz="900" dirty="0" err="1"/>
+              <a:t>int</a:t>
+            </a:r>
+            <a:r>
+              <a:rPr lang="en-US" sz="900" dirty="0"/>
+              <a:t>&gt;       </a:t>
+            </a:r>
+            <a:r>
+              <a:rPr lang="en-US" sz="900" dirty="0" err="1"/>
+              <a:t>KmerFreqCutoff</a:t>
+            </a:r>
+            <a:r>
+              <a:rPr lang="en-US" sz="900" dirty="0"/>
+              <a:t>: </a:t>
+            </a:r>
+            <a:r>
+              <a:rPr lang="en-US" sz="900" dirty="0" err="1"/>
+              <a:t>kmers</a:t>
+            </a:r>
+            <a:r>
+              <a:rPr lang="en-US" sz="900" dirty="0"/>
+              <a:t> with frequency no larger than </a:t>
+            </a:r>
+            <a:r>
+              <a:rPr lang="en-US" sz="900" dirty="0" err="1"/>
+              <a:t>KmerFreqCutoff</a:t>
+            </a:r>
+            <a:r>
+              <a:rPr lang="en-US" sz="900" dirty="0"/>
+              <a:t> will be deleted, [0]</a:t>
+            </a:r>
+          </a:p>
+          <a:p>
+            <a:r>
+              <a:rPr lang="en-US" sz="900" dirty="0"/>
+              <a:t>-R (optional)  resolve repeats by reads, [NO]</a:t>
+            </a:r>
+          </a:p>
+          <a:p>
+            <a:r>
+              <a:rPr lang="en-US" sz="900" dirty="0"/>
+              <a:t>-D &lt;</a:t>
+            </a:r>
+            <a:r>
+              <a:rPr lang="en-US" sz="900" dirty="0" err="1"/>
+              <a:t>int</a:t>
+            </a:r>
+            <a:r>
+              <a:rPr lang="en-US" sz="900" dirty="0"/>
+              <a:t>&gt;       </a:t>
+            </a:r>
+            <a:r>
+              <a:rPr lang="en-US" sz="900" dirty="0" err="1"/>
+              <a:t>EdgeCovCutoff</a:t>
+            </a:r>
+            <a:r>
+              <a:rPr lang="en-US" sz="900" dirty="0"/>
+              <a:t>: edges with coverage no larger than </a:t>
+            </a:r>
+            <a:r>
+              <a:rPr lang="en-US" sz="900" dirty="0" err="1"/>
+              <a:t>EdgeCovCutoff</a:t>
+            </a:r>
+            <a:r>
+              <a:rPr lang="en-US" sz="900" dirty="0"/>
+              <a:t> will be deleted, [1]</a:t>
+            </a:r>
+          </a:p>
+          <a:p>
+            <a:r>
+              <a:rPr lang="en-US" sz="900" dirty="0"/>
+              <a:t>-M &lt;</a:t>
+            </a:r>
+            <a:r>
+              <a:rPr lang="en-US" sz="900" dirty="0" err="1"/>
+              <a:t>int</a:t>
+            </a:r>
+            <a:r>
+              <a:rPr lang="en-US" sz="900" dirty="0"/>
+              <a:t>&gt;       </a:t>
+            </a:r>
+            <a:r>
+              <a:rPr lang="en-US" sz="900" dirty="0" err="1"/>
+              <a:t>mergeLevel</a:t>
+            </a:r>
+            <a:r>
+              <a:rPr lang="en-US" sz="900" dirty="0"/>
+              <a:t>(min 0, max 3): the strength of merging similar sequences during </a:t>
+            </a:r>
+            <a:r>
+              <a:rPr lang="en-US" sz="900" dirty="0" err="1"/>
+              <a:t>contiging</a:t>
+            </a:r>
+            <a:r>
+              <a:rPr lang="en-US" sz="900" dirty="0"/>
+              <a:t>, [1]</a:t>
+            </a:r>
+          </a:p>
+          <a:p>
+            <a:r>
+              <a:rPr lang="en-US" sz="900" dirty="0"/>
+              <a:t>-m &lt;</a:t>
+            </a:r>
+            <a:r>
+              <a:rPr lang="en-US" sz="900" dirty="0" err="1"/>
+              <a:t>int</a:t>
+            </a:r>
+            <a:r>
+              <a:rPr lang="en-US" sz="900" dirty="0"/>
+              <a:t>&gt;       max k when using multi </a:t>
+            </a:r>
+            <a:r>
+              <a:rPr lang="en-US" sz="900" dirty="0" err="1"/>
+              <a:t>kmer</a:t>
+            </a:r>
+            <a:endParaRPr lang="en-US" sz="900" dirty="0"/>
+          </a:p>
+          <a:p>
+            <a:r>
+              <a:rPr lang="en-US" sz="900" dirty="0"/>
+              <a:t>-e &lt;</a:t>
+            </a:r>
+            <a:r>
+              <a:rPr lang="en-US" sz="900" dirty="0" err="1"/>
+              <a:t>int</a:t>
+            </a:r>
+            <a:r>
+              <a:rPr lang="en-US" sz="900" dirty="0"/>
+              <a:t>&gt;       weight to filter arc when linearize two edges(default 0)</a:t>
+            </a:r>
+          </a:p>
+          <a:p>
+            <a:r>
+              <a:rPr lang="en-US" sz="900" dirty="0"/>
+              <a:t>-r (optional)  keep available read(*.read)</a:t>
+            </a:r>
+          </a:p>
+          <a:p>
+            <a:r>
+              <a:rPr lang="en-US" sz="900" dirty="0"/>
+              <a:t>-E (optional)  merge clean bubble before iterate</a:t>
+            </a:r>
+          </a:p>
+          <a:p>
+            <a:r>
+              <a:rPr lang="en-US" sz="900" dirty="0"/>
+              <a:t>-f (optional)  output gap related reads in map step for using </a:t>
+            </a:r>
+            <a:r>
+              <a:rPr lang="en-US" sz="900" dirty="0" err="1"/>
+              <a:t>SRkgf</a:t>
+            </a:r>
+            <a:r>
+              <a:rPr lang="en-US" sz="900" dirty="0"/>
+              <a:t> to fill gap, [NO]</a:t>
+            </a:r>
+          </a:p>
+          <a:p>
+            <a:r>
+              <a:rPr lang="en-US" sz="900" dirty="0"/>
+              <a:t>-k &lt;</a:t>
+            </a:r>
+            <a:r>
+              <a:rPr lang="en-US" sz="900" dirty="0" err="1"/>
+              <a:t>int</a:t>
+            </a:r>
+            <a:r>
+              <a:rPr lang="en-US" sz="900" dirty="0"/>
+              <a:t>&gt;       kmer_R2C(min 13, max 63): </a:t>
+            </a:r>
+            <a:r>
+              <a:rPr lang="en-US" sz="900" dirty="0" err="1"/>
+              <a:t>kmer</a:t>
+            </a:r>
+            <a:r>
+              <a:rPr lang="en-US" sz="900" dirty="0"/>
+              <a:t> size used for mapping read to </a:t>
+            </a:r>
+            <a:r>
+              <a:rPr lang="en-US" sz="900" dirty="0" err="1"/>
+              <a:t>contig</a:t>
+            </a:r>
+            <a:r>
+              <a:rPr lang="en-US" sz="900" dirty="0"/>
+              <a:t>, [K]</a:t>
+            </a:r>
+          </a:p>
+          <a:p>
+            <a:r>
+              <a:rPr lang="en-US" sz="900" dirty="0"/>
+              <a:t>-F (optional)  fill gaps in scaffold, [NO]</a:t>
+            </a:r>
+          </a:p>
+          <a:p>
+            <a:r>
+              <a:rPr lang="en-US" sz="900" dirty="0"/>
+              <a:t>-u (optional)  un-mask </a:t>
+            </a:r>
+            <a:r>
+              <a:rPr lang="en-US" sz="900" dirty="0" err="1"/>
+              <a:t>contigs</a:t>
+            </a:r>
+            <a:r>
+              <a:rPr lang="en-US" sz="900" dirty="0"/>
+              <a:t> with high/low coverage before scaffolding, [mask]</a:t>
+            </a:r>
+          </a:p>
+          <a:p>
+            <a:r>
+              <a:rPr lang="en-US" sz="900" dirty="0"/>
+              <a:t>-w (optional)  keep </a:t>
+            </a:r>
+            <a:r>
+              <a:rPr lang="en-US" sz="900" dirty="0" err="1"/>
+              <a:t>contigs</a:t>
+            </a:r>
+            <a:r>
+              <a:rPr lang="en-US" sz="900" dirty="0"/>
+              <a:t> weakly connected to other </a:t>
+            </a:r>
+            <a:r>
+              <a:rPr lang="en-US" sz="900" dirty="0" err="1"/>
+              <a:t>contigs</a:t>
+            </a:r>
+            <a:r>
+              <a:rPr lang="en-US" sz="900" dirty="0"/>
+              <a:t> in scaffold, [NO]</a:t>
+            </a:r>
+          </a:p>
+          <a:p>
+            <a:r>
+              <a:rPr lang="en-US" sz="900" dirty="0"/>
+              <a:t>-G &lt;</a:t>
+            </a:r>
+            <a:r>
+              <a:rPr lang="en-US" sz="900" dirty="0" err="1"/>
+              <a:t>int</a:t>
+            </a:r>
+            <a:r>
+              <a:rPr lang="en-US" sz="900" dirty="0"/>
+              <a:t>&gt;       </a:t>
+            </a:r>
+            <a:r>
+              <a:rPr lang="en-US" sz="900" dirty="0" err="1"/>
+              <a:t>gapLenDiff</a:t>
+            </a:r>
+            <a:r>
+              <a:rPr lang="en-US" sz="900" dirty="0"/>
+              <a:t>: allowed length difference between estimated and filled gap, [50]</a:t>
+            </a:r>
+          </a:p>
+          <a:p>
+            <a:r>
+              <a:rPr lang="en-US" sz="900" dirty="0"/>
+              <a:t>-L &lt;</a:t>
+            </a:r>
+            <a:r>
+              <a:rPr lang="en-US" sz="900" dirty="0" err="1"/>
+              <a:t>int</a:t>
+            </a:r>
+            <a:r>
+              <a:rPr lang="en-US" sz="900" dirty="0"/>
+              <a:t>&gt;       </a:t>
+            </a:r>
+            <a:r>
+              <a:rPr lang="en-US" sz="900" dirty="0" err="1"/>
+              <a:t>minContigLen</a:t>
+            </a:r>
+            <a:r>
+              <a:rPr lang="en-US" sz="900" dirty="0"/>
+              <a:t>: shortest </a:t>
+            </a:r>
+            <a:r>
+              <a:rPr lang="en-US" sz="900" dirty="0" err="1"/>
+              <a:t>contig</a:t>
+            </a:r>
+            <a:r>
+              <a:rPr lang="en-US" sz="900" dirty="0"/>
+              <a:t> for scaffolding, [K+2]</a:t>
+            </a:r>
+          </a:p>
+          <a:p>
+            <a:r>
+              <a:rPr lang="en-US" sz="900" dirty="0"/>
+              <a:t>-c &lt;float&gt;     </a:t>
+            </a:r>
+            <a:r>
+              <a:rPr lang="en-US" sz="900" dirty="0" err="1"/>
+              <a:t>minContigCvg</a:t>
+            </a:r>
+            <a:r>
+              <a:rPr lang="en-US" sz="900" dirty="0"/>
+              <a:t>: minimum </a:t>
+            </a:r>
+            <a:r>
+              <a:rPr lang="en-US" sz="900" dirty="0" err="1"/>
+              <a:t>contig</a:t>
+            </a:r>
+            <a:r>
+              <a:rPr lang="en-US" sz="900" dirty="0"/>
+              <a:t> coverage (c*</a:t>
+            </a:r>
+            <a:r>
+              <a:rPr lang="en-US" sz="900" dirty="0" err="1"/>
+              <a:t>avgCvg</a:t>
+            </a:r>
+            <a:r>
+              <a:rPr lang="en-US" sz="900" dirty="0"/>
+              <a:t>), </a:t>
+            </a:r>
+            <a:r>
+              <a:rPr lang="en-US" sz="900" dirty="0" err="1"/>
+              <a:t>contigs</a:t>
+            </a:r>
+            <a:r>
+              <a:rPr lang="en-US" sz="900" dirty="0"/>
+              <a:t> shorter than 100bp with coverage smaller </a:t>
+            </a:r>
+          </a:p>
+          <a:p>
+            <a:r>
+              <a:rPr lang="en-US" sz="900" dirty="0"/>
+              <a:t>than c*</a:t>
+            </a:r>
+            <a:r>
+              <a:rPr lang="en-US" sz="900" dirty="0" err="1"/>
+              <a:t>avgCvg</a:t>
+            </a:r>
+            <a:r>
+              <a:rPr lang="en-US" sz="900" dirty="0"/>
+              <a:t> will be masked before scaffolding unless -u is set, [0.1]</a:t>
+            </a:r>
+          </a:p>
+          <a:p>
+            <a:r>
+              <a:rPr lang="en-US" sz="900" dirty="0"/>
+              <a:t>-C &lt;float&gt;     </a:t>
+            </a:r>
+            <a:r>
+              <a:rPr lang="en-US" sz="900" dirty="0" err="1"/>
+              <a:t>maxContigCvg</a:t>
+            </a:r>
+            <a:r>
+              <a:rPr lang="en-US" sz="900" dirty="0"/>
+              <a:t>: maximum </a:t>
+            </a:r>
+            <a:r>
+              <a:rPr lang="en-US" sz="900" dirty="0" err="1"/>
+              <a:t>contig</a:t>
+            </a:r>
+            <a:r>
+              <a:rPr lang="en-US" sz="900" dirty="0"/>
+              <a:t> coverage (C*</a:t>
+            </a:r>
+            <a:r>
+              <a:rPr lang="en-US" sz="900" dirty="0" err="1"/>
+              <a:t>avgCvg</a:t>
+            </a:r>
+            <a:r>
+              <a:rPr lang="en-US" sz="900" dirty="0"/>
+              <a:t>), </a:t>
+            </a:r>
+            <a:r>
+              <a:rPr lang="en-US" sz="900" dirty="0" err="1"/>
+              <a:t>contigs</a:t>
+            </a:r>
+            <a:r>
+              <a:rPr lang="en-US" sz="900" dirty="0"/>
+              <a:t> with coverage larger than C*</a:t>
+            </a:r>
+            <a:r>
+              <a:rPr lang="en-US" sz="900" dirty="0" err="1"/>
+              <a:t>avgCvg</a:t>
+            </a:r>
+            <a:r>
+              <a:rPr lang="en-US" sz="900" dirty="0"/>
+              <a:t> or </a:t>
+            </a:r>
+          </a:p>
+          <a:p>
+            <a:r>
+              <a:rPr lang="en-US" sz="900" dirty="0" err="1"/>
+              <a:t>contigs</a:t>
+            </a:r>
+            <a:r>
+              <a:rPr lang="en-US" sz="900" dirty="0"/>
+              <a:t> shorter than 100bp with coverage larger than 0.8*C*</a:t>
+            </a:r>
+            <a:r>
+              <a:rPr lang="en-US" sz="900" dirty="0" err="1"/>
+              <a:t>avgCvg</a:t>
+            </a:r>
+            <a:r>
+              <a:rPr lang="en-US" sz="900" dirty="0"/>
+              <a:t> will be masked before scaffolding unless -u is </a:t>
+            </a:r>
+          </a:p>
+          <a:p>
+            <a:r>
+              <a:rPr lang="en-US" sz="900" dirty="0"/>
+              <a:t>set, [2]</a:t>
+            </a:r>
+          </a:p>
+          <a:p>
+            <a:r>
+              <a:rPr lang="en-US" sz="900" dirty="0"/>
+              <a:t>-b &lt;float&gt;     </a:t>
+            </a:r>
+            <a:r>
+              <a:rPr lang="en-US" sz="900" dirty="0" err="1"/>
+              <a:t>insertSizeUpperBound</a:t>
+            </a:r>
+            <a:r>
+              <a:rPr lang="en-US" sz="900" dirty="0"/>
+              <a:t>: (b*</a:t>
+            </a:r>
+            <a:r>
+              <a:rPr lang="en-US" sz="900" dirty="0" err="1"/>
+              <a:t>avg_ins</a:t>
+            </a:r>
+            <a:r>
+              <a:rPr lang="en-US" sz="900" dirty="0"/>
+              <a:t>) will be used as upper bound of insert size for large insert size</a:t>
+            </a:r>
+          </a:p>
+          <a:p>
+            <a:r>
+              <a:rPr lang="en-US" sz="900" dirty="0"/>
+              <a:t>( &gt; 1000) when handling pair-end connections between </a:t>
+            </a:r>
+            <a:r>
+              <a:rPr lang="en-US" sz="900" dirty="0" err="1"/>
+              <a:t>contigs</a:t>
+            </a:r>
+            <a:r>
+              <a:rPr lang="en-US" sz="900" dirty="0"/>
+              <a:t> if b is set to larger than 1, [1.5]</a:t>
+            </a:r>
+          </a:p>
+          <a:p>
+            <a:r>
+              <a:rPr lang="en-US" sz="900" dirty="0"/>
+              <a:t>-B &lt;float&gt;     </a:t>
+            </a:r>
+            <a:r>
+              <a:rPr lang="en-US" sz="900" dirty="0" err="1"/>
+              <a:t>bubbleCoverage</a:t>
+            </a:r>
+            <a:r>
+              <a:rPr lang="en-US" sz="900" dirty="0"/>
+              <a:t>: remove </a:t>
+            </a:r>
+            <a:r>
+              <a:rPr lang="en-US" sz="900" dirty="0" err="1"/>
+              <a:t>contig</a:t>
+            </a:r>
+            <a:r>
+              <a:rPr lang="en-US" sz="900" dirty="0"/>
+              <a:t> with lower </a:t>
+            </a:r>
+            <a:r>
+              <a:rPr lang="en-US" sz="900" dirty="0" err="1"/>
+              <a:t>cvoerage</a:t>
+            </a:r>
+            <a:r>
+              <a:rPr lang="en-US" sz="900" dirty="0"/>
+              <a:t> in bubble structure if both </a:t>
+            </a:r>
+            <a:r>
+              <a:rPr lang="en-US" sz="900" dirty="0" err="1"/>
+              <a:t>contigs</a:t>
+            </a:r>
+            <a:r>
+              <a:rPr lang="en-US" sz="900" dirty="0"/>
+              <a:t>' coverage are </a:t>
+            </a:r>
+          </a:p>
+          <a:p>
+            <a:r>
+              <a:rPr lang="en-US" sz="900" dirty="0"/>
+              <a:t>smaller than </a:t>
+            </a:r>
+            <a:r>
+              <a:rPr lang="en-US" sz="900" dirty="0" err="1"/>
+              <a:t>bubbleCoverage</a:t>
+            </a:r>
+            <a:r>
+              <a:rPr lang="en-US" sz="900" dirty="0"/>
+              <a:t>*</a:t>
+            </a:r>
+            <a:r>
+              <a:rPr lang="en-US" sz="900" dirty="0" err="1"/>
+              <a:t>avgCvg</a:t>
+            </a:r>
+            <a:r>
+              <a:rPr lang="en-US" sz="900" dirty="0"/>
+              <a:t>, [0.6]</a:t>
+            </a:r>
+          </a:p>
+          <a:p>
+            <a:r>
+              <a:rPr lang="en-US" sz="900" dirty="0"/>
+              <a:t>-N &lt;</a:t>
+            </a:r>
+            <a:r>
+              <a:rPr lang="en-US" sz="900" dirty="0" err="1"/>
+              <a:t>int</a:t>
+            </a:r>
+            <a:r>
+              <a:rPr lang="en-US" sz="900" dirty="0"/>
+              <a:t>&gt;       </a:t>
+            </a:r>
+            <a:r>
+              <a:rPr lang="en-US" sz="900" dirty="0" err="1"/>
+              <a:t>genomeSize</a:t>
+            </a:r>
+            <a:r>
+              <a:rPr lang="en-US" sz="900" dirty="0"/>
+              <a:t>: genome size for statistics, [0]</a:t>
+            </a:r>
+          </a:p>
+          <a:p>
+            <a:r>
+              <a:rPr lang="en-US" sz="900" dirty="0"/>
+              <a:t>-V (optional)  output visualization information of assembly, [NO]</a:t>
+            </a:r>
+          </a:p>
+        </p:txBody>
+      </p:sp>
+    </p:spTree>
+    <p:extLst>
+      <p:ext uri="{BB962C8B-B14F-4D97-AF65-F5344CB8AC3E}">
+        <p14:creationId xmlns:p14="http://schemas.microsoft.com/office/powerpoint/2010/main" val="3124282564"/>
+      </p:ext>
+    </p:extLst>
+  </p:cSld>
+  <p:clrMapOvr>
+    <a:masterClrMapping/>
+  </p:clrMapOvr>
+</p:sld>
+</file>
+
+<file path=ppt/slides/slide13.xml><?xml version="1.0" encoding="utf-8"?>
+<p:sld xmlns:a="http://schemas.openxmlformats.org/drawingml/2006/main" xmlns:r="http://schemas.openxmlformats.org/officeDocument/2006/relationships" xmlns:p="http://schemas.openxmlformats.org/presentationml/2006/main">
+  <p:cSld>
+    <p:spTree>
+      <p:nvGrpSpPr>
+        <p:cNvPr id="1" name=""/>
+        <p:cNvGrpSpPr/>
+        <p:nvPr/>
+      </p:nvGrpSpPr>
+      <p:grpSpPr>
+        <a:xfrm>
+          <a:off x="0" y="0"/>
+          <a:ext cx="0" cy="0"/>
+          <a:chOff x="0" y="0"/>
+          <a:chExt cx="0" cy="0"/>
+        </a:xfrm>
+      </p:grpSpPr>
+      <p:sp>
+        <p:nvSpPr>
+          <p:cNvPr id="2" name="Title 1"/>
+          <p:cNvSpPr>
+            <a:spLocks noGrp="1"/>
+          </p:cNvSpPr>
+          <p:nvPr>
+            <p:ph type="title"/>
+          </p:nvPr>
+        </p:nvSpPr>
+        <p:spPr>
+          <a:xfrm>
             <a:off x="457200" y="337456"/>
             <a:ext cx="8229600" cy="772887"/>
           </a:xfrm>
@@ -5758,7 +5957,7 @@
           <a:p>
             <a:r>
               <a:rPr lang="en-US" sz="2800" dirty="0"/>
-              <a:t>Now please try to use </a:t>
+              <a:t>Now please try using </a:t>
             </a:r>
             <a:r>
               <a:rPr lang="en-US" sz="2800" dirty="0" err="1"/>
@@ -5963,133 +6162,6 @@
 </p:sld>
 </file>
 
-<file path=ppt/slides/slide13.xml><?xml version="1.0" encoding="utf-8"?>
-<p:sld xmlns:a="http://schemas.openxmlformats.org/drawingml/2006/main" xmlns:r="http://schemas.openxmlformats.org/officeDocument/2006/relationships" xmlns:p="http://schemas.openxmlformats.org/presentationml/2006/main">
-  <p:cSld>
-    <p:spTree>
-      <p:nvGrpSpPr>
-        <p:cNvPr id="1" name=""/>
-        <p:cNvGrpSpPr/>
-        <p:nvPr/>
-      </p:nvGrpSpPr>
-      <p:grpSpPr>
-        <a:xfrm>
-          <a:off x="0" y="0"/>
-          <a:ext cx="0" cy="0"/>
-          <a:chOff x="0" y="0"/>
-          <a:chExt cx="0" cy="0"/>
-        </a:xfrm>
-      </p:grpSpPr>
-      <p:sp>
-        <p:nvSpPr>
-          <p:cNvPr id="2" name="Title 1"/>
-          <p:cNvSpPr>
-            <a:spLocks noGrp="1"/>
-          </p:cNvSpPr>
-          <p:nvPr>
-            <p:ph type="title"/>
-          </p:nvPr>
-        </p:nvSpPr>
-        <p:spPr>
-          <a:xfrm>
-            <a:off x="457200" y="261257"/>
-            <a:ext cx="8229600" cy="843418"/>
-          </a:xfrm>
-        </p:spPr>
-        <p:txBody>
-          <a:bodyPr>
-            <a:normAutofit/>
-          </a:bodyPr>
-          <a:lstStyle/>
-          <a:p>
-            <a:r>
-              <a:rPr lang="en-US" sz="3200" dirty="0"/>
-              <a:t>Today's Lab</a:t>
-            </a:r>
-          </a:p>
-        </p:txBody>
-      </p:sp>
-      <p:sp>
-        <p:nvSpPr>
-          <p:cNvPr id="3" name="Content Placeholder 2"/>
-          <p:cNvSpPr>
-            <a:spLocks noGrp="1"/>
-          </p:cNvSpPr>
-          <p:nvPr>
-            <p:ph idx="1"/>
-          </p:nvPr>
-        </p:nvSpPr>
-        <p:spPr>
-          <a:xfrm>
-            <a:off x="680360" y="1480456"/>
-            <a:ext cx="7783280" cy="1839687"/>
-          </a:xfrm>
-        </p:spPr>
-        <p:txBody>
-          <a:bodyPr>
-            <a:noAutofit/>
-          </a:bodyPr>
-          <a:lstStyle/>
-          <a:p>
-            <a:r>
-              <a:rPr lang="en-US" sz="2800" dirty="0">
-                <a:solidFill>
-                  <a:schemeClr val="bg1">
-                    <a:lumMod val="85000"/>
-                  </a:schemeClr>
-                </a:solidFill>
-              </a:rPr>
-              <a:t>Genome assemblies using SOAPdenovo2</a:t>
-            </a:r>
-          </a:p>
-          <a:p>
-            <a:pPr>
-              <a:lnSpc>
-                <a:spcPct val="120000"/>
-              </a:lnSpc>
-            </a:pPr>
-            <a:r>
-              <a:rPr lang="en-US" sz="2800" dirty="0"/>
-              <a:t>Long-read genome assemblies with </a:t>
-            </a:r>
-            <a:r>
-              <a:rPr lang="en-US" sz="2800" dirty="0" err="1"/>
-              <a:t>Canu</a:t>
-            </a:r>
-            <a:endParaRPr lang="en-US" sz="2800" dirty="0"/>
-          </a:p>
-          <a:p>
-            <a:pPr>
-              <a:lnSpc>
-                <a:spcPct val="120000"/>
-              </a:lnSpc>
-            </a:pPr>
-            <a:r>
-              <a:rPr lang="en-US" sz="2800" dirty="0"/>
-              <a:t>Polishing with Illumina data</a:t>
-            </a:r>
-          </a:p>
-          <a:p>
-            <a:pPr marL="0" indent="0">
-              <a:buNone/>
-            </a:pPr>
-            <a:endParaRPr lang="en-US" sz="2800" dirty="0"/>
-          </a:p>
-        </p:txBody>
-      </p:sp>
-    </p:spTree>
-    <p:extLst>
-      <p:ext uri="{BB962C8B-B14F-4D97-AF65-F5344CB8AC3E}">
-        <p14:creationId xmlns:p14="http://schemas.microsoft.com/office/powerpoint/2010/main" val="3879090659"/>
-      </p:ext>
-    </p:extLst>
-  </p:cSld>
-  <p:clrMapOvr>
-    <a:masterClrMapping/>
-  </p:clrMapOvr>
-</p:sld>
-</file>
-
 <file path=ppt/slides/slide14.xml><?xml version="1.0" encoding="utf-8"?>
 <p:sld xmlns:a="http://schemas.openxmlformats.org/drawingml/2006/main" xmlns:r="http://schemas.openxmlformats.org/officeDocument/2006/relationships" xmlns:p="http://schemas.openxmlformats.org/presentationml/2006/main">
   <p:cSld>
@@ -6117,14 +6189,21 @@
             <p:ph type="title"/>
           </p:nvPr>
         </p:nvSpPr>
-        <p:spPr/>
+        <p:spPr>
+          <a:xfrm>
+            <a:off x="457200" y="261257"/>
+            <a:ext cx="8229600" cy="843418"/>
+          </a:xfrm>
+        </p:spPr>
         <p:txBody>
-          <a:bodyPr/>
+          <a:bodyPr>
+            <a:normAutofit/>
+          </a:bodyPr>
           <a:lstStyle/>
           <a:p>
             <a:r>
-              <a:rPr lang="en-US" dirty="0"/>
-              <a:t>Data</a:t>
+              <a:rPr lang="en-US" sz="3200" dirty="0"/>
+              <a:t>Today's Lab</a:t>
             </a:r>
           </a:p>
         </p:txBody>
@@ -6141,32 +6220,52 @@
         </p:nvSpPr>
         <p:spPr>
           <a:xfrm>
-            <a:off x="1077686" y="1306286"/>
-            <a:ext cx="7591845" cy="3341914"/>
+            <a:off x="680360" y="1480456"/>
+            <a:ext cx="7783280" cy="1839687"/>
           </a:xfrm>
         </p:spPr>
         <p:txBody>
           <a:bodyPr>
-            <a:normAutofit/>
+            <a:noAutofit/>
           </a:bodyPr>
           <a:lstStyle/>
           <a:p>
             <a:r>
+              <a:rPr lang="en-US" sz="2800" dirty="0">
+                <a:solidFill>
+                  <a:schemeClr val="bg1">
+                    <a:lumMod val="85000"/>
+                  </a:schemeClr>
+                </a:solidFill>
+              </a:rPr>
+              <a:t>Genome assemblies using SOAPdenovo2</a:t>
+            </a:r>
+          </a:p>
+          <a:p>
+            <a:pPr>
+              <a:lnSpc>
+                <a:spcPct val="120000"/>
+              </a:lnSpc>
+            </a:pPr>
+            <a:r>
+              <a:rPr lang="en-US" sz="2800" dirty="0"/>
+              <a:t>Long-read genome assemblies with </a:t>
+            </a:r>
+            <a:r>
               <a:rPr lang="en-US" sz="2800" dirty="0" err="1"/>
-              <a:t>PacBio</a:t>
-            </a:r>
+              <a:t>Canu</a:t>
+            </a:r>
+            <a:endParaRPr lang="en-US" sz="2800" dirty="0"/>
+          </a:p>
+          <a:p>
+            <a:pPr>
+              <a:lnSpc>
+                <a:spcPct val="120000"/>
+              </a:lnSpc>
+            </a:pPr>
             <a:r>
               <a:rPr lang="en-US" sz="2800" dirty="0"/>
-              <a:t> data</a:t>
-            </a:r>
-          </a:p>
-          <a:p>
-            <a:pPr marL="0" indent="0">
-              <a:buNone/>
-            </a:pPr>
-            <a:r>
-              <a:rPr lang="en-US" sz="2800" dirty="0"/>
-              <a:t>pacbio_cmnHF4_1.fastq.gz</a:t>
+              <a:t>Polishing with Illumina data</a:t>
             </a:r>
           </a:p>
           <a:p>
@@ -6174,43 +6273,13 @@
               <a:buNone/>
             </a:pPr>
             <a:endParaRPr lang="en-US" sz="2800" dirty="0"/>
-          </a:p>
-          <a:p>
-            <a:r>
-              <a:rPr lang="en-US" sz="2800" dirty="0" err="1"/>
-              <a:t>Illumina</a:t>
-            </a:r>
-            <a:r>
-              <a:rPr lang="en-US" sz="2800" dirty="0"/>
-              <a:t> data</a:t>
-            </a:r>
-          </a:p>
-          <a:p>
-            <a:pPr marL="457200" indent="-457200">
-              <a:buFont typeface="+mj-lt"/>
-              <a:buAutoNum type="arabicPeriod"/>
-            </a:pPr>
-            <a:r>
-              <a:rPr lang="en-US" sz="2800" dirty="0"/>
-              <a:t>HF4.R1.pair.fq.gz</a:t>
-            </a:r>
-          </a:p>
-          <a:p>
-            <a:pPr marL="457200" indent="-457200">
-              <a:buFont typeface="+mj-lt"/>
-              <a:buAutoNum type="arabicPeriod"/>
-            </a:pPr>
-            <a:r>
-              <a:rPr lang="en-US" sz="2800" dirty="0"/>
-              <a:t>HF4.R2.pair.fq.gz</a:t>
-            </a:r>
           </a:p>
         </p:txBody>
       </p:sp>
     </p:spTree>
     <p:extLst>
       <p:ext uri="{BB962C8B-B14F-4D97-AF65-F5344CB8AC3E}">
-        <p14:creationId xmlns:p14="http://schemas.microsoft.com/office/powerpoint/2010/main" val="160659729"/>
+        <p14:creationId xmlns:p14="http://schemas.microsoft.com/office/powerpoint/2010/main" val="3879090659"/>
       </p:ext>
     </p:extLst>
   </p:cSld>
@@ -6247,34 +6316,14 @@
             <p:ph type="title"/>
           </p:nvPr>
         </p:nvSpPr>
-        <p:spPr>
-          <a:xfrm>
-            <a:off x="457200" y="297317"/>
-            <a:ext cx="8229600" cy="1023340"/>
-          </a:xfrm>
-        </p:spPr>
+        <p:spPr/>
         <p:txBody>
           <a:bodyPr/>
           <a:lstStyle/>
           <a:p>
             <a:r>
               <a:rPr lang="en-US" dirty="0"/>
-              <a:t>working directory</a:t>
-            </a:r>
-            <a:br>
-              <a:rPr lang="en-US" dirty="0"/>
-            </a:br>
-            <a:r>
-              <a:rPr lang="en-US" dirty="0"/>
-              <a:t>- </a:t>
-            </a:r>
-            <a:r>
-              <a:rPr lang="en-US" dirty="0" err="1"/>
-              <a:t>canu</a:t>
-            </a:r>
-            <a:r>
-              <a:rPr lang="en-US" dirty="0"/>
-              <a:t> assembly</a:t>
+              <a:t>Data</a:t>
             </a:r>
           </a:p>
         </p:txBody>
@@ -6291,8 +6340,8 @@
         </p:nvSpPr>
         <p:spPr>
           <a:xfrm>
-            <a:off x="457200" y="1560425"/>
-            <a:ext cx="8229600" cy="1615826"/>
+            <a:off x="1077686" y="1306286"/>
+            <a:ext cx="7591845" cy="3341914"/>
           </a:xfrm>
         </p:spPr>
         <p:txBody>
@@ -6301,21 +6350,66 @@
           </a:bodyPr>
           <a:lstStyle/>
           <a:p>
-            <a:pPr marL="0" indent="0" algn="ctr">
+            <a:r>
+              <a:rPr lang="en-US" sz="2800" dirty="0" err="1"/>
+              <a:t>PacBio</a:t>
+            </a:r>
+            <a:r>
+              <a:rPr lang="en-US" sz="2800" dirty="0"/>
+              <a:t> data</a:t>
+            </a:r>
+          </a:p>
+          <a:p>
+            <a:pPr marL="0" indent="0">
               <a:buNone/>
             </a:pPr>
             <a:r>
-              <a:rPr lang="en-US" sz="9600" dirty="0" err="1"/>
-              <a:t>canu</a:t>
-            </a:r>
-            <a:endParaRPr lang="en-US" sz="9600" dirty="0"/>
+              <a:rPr lang="en-US" sz="2800" dirty="0"/>
+              <a:t>pacbio_cmnHF4_1.fastq.gz</a:t>
+            </a:r>
+          </a:p>
+          <a:p>
+            <a:pPr marL="0" indent="0">
+              <a:buNone/>
+            </a:pPr>
+            <a:endParaRPr lang="en-US" sz="2800" dirty="0"/>
+          </a:p>
+          <a:p>
+            <a:r>
+              <a:rPr lang="en-US" sz="2800" dirty="0" err="1"/>
+              <a:t>Illumina</a:t>
+            </a:r>
+            <a:r>
+              <a:rPr lang="en-US" sz="2800" dirty="0"/>
+              <a:t> data</a:t>
+            </a:r>
+          </a:p>
+          <a:p>
+            <a:pPr marL="457200" indent="-457200">
+              <a:buFont typeface="+mj-lt"/>
+              <a:buAutoNum type="arabicPeriod"/>
+            </a:pPr>
+            <a:r>
+              <a:rPr lang="en-US" sz="2800" dirty="0"/>
+              <a:t>HF4.R1.pair.fq.gz</a:t>
+            </a:r>
+          </a:p>
+          <a:p>
+            <a:pPr marL="457200" indent="-457200">
+              <a:buFont typeface="+mj-lt"/>
+              <a:buAutoNum type="arabicPeriod"/>
+            </a:pPr>
+            <a:r>
+              <a:rPr lang="en-US" sz="2800" dirty="0"/>
+              <a:t>HF4.R2.pair.fq.gz</a:t>
+            </a:r>
           </a:p>
         </p:txBody>
       </p:sp>
     </p:spTree>
     <p:extLst>
       <p:ext uri="{BB962C8B-B14F-4D97-AF65-F5344CB8AC3E}">
-        <p14:creationId xmlns:p14="http://schemas.microsoft.com/office/powerpoint/2010/main" val="200906285"/>
+        <p14:creationId xmlns:p14="http://schemas.microsoft.com/office/powerpoint/2010/main" val="160659729"/>
       </p:ext>
     </p:extLst>
   </p:cSld>
@@ -6354,8 +6448,50 @@
         </p:nvSpPr>
         <p:spPr>
           <a:xfrm>
-            <a:off x="457200" y="108857"/>
-            <a:ext cx="8229600" cy="676862"/>
+            <a:off x="457200" y="297317"/>
+            <a:ext cx="8229600" cy="1023340"/>
+          </a:xfrm>
+        </p:spPr>
+        <p:txBody>
+          <a:bodyPr/>
+          <a:lstStyle/>
+          <a:p>
+            <a:r>
+              <a:rPr lang="en-US" dirty="0"/>
+              <a:t>working directory</a:t>
+            </a:r>
+            <a:br>
+              <a:rPr lang="en-US" dirty="0"/>
+            </a:br>
+            <a:r>
+              <a:rPr lang="en-US" dirty="0"/>
+              <a:t>- </a:t>
+            </a:r>
+            <a:r>
+              <a:rPr lang="en-US" dirty="0" err="1"/>
+              <a:t>canu</a:t>
+            </a:r>
+            <a:r>
+              <a:rPr lang="en-US" dirty="0"/>
+              <a:t> assembly</a:t>
+            </a:r>
+          </a:p>
+        </p:txBody>
+      </p:sp>
+      <p:sp>
+        <p:nvSpPr>
+          <p:cNvPr id="3" name="Content Placeholder 2"/>
+          <p:cNvSpPr>
+            <a:spLocks noGrp="1"/>
+          </p:cNvSpPr>
+          <p:nvPr>
+            <p:ph idx="1"/>
+          </p:nvPr>
+        </p:nvSpPr>
+        <p:spPr>
+          <a:xfrm>
+            <a:off x="457200" y="1560425"/>
+            <a:ext cx="8229600" cy="1615826"/>
           </a:xfrm>
         </p:spPr>
         <p:txBody>
@@ -6364,350 +6500,21 @@
           </a:bodyPr>
           <a:lstStyle/>
           <a:p>
-            <a:r>
-              <a:rPr lang="en-US" sz="3200" dirty="0" err="1"/>
-              <a:t>Canu</a:t>
-            </a:r>
-            <a:r>
-              <a:rPr lang="en-US" sz="3200" dirty="0"/>
-              <a:t> assembly</a:t>
-            </a:r>
-          </a:p>
-        </p:txBody>
-      </p:sp>
-      <p:sp>
-        <p:nvSpPr>
-          <p:cNvPr id="3" name="Content Placeholder 2"/>
-          <p:cNvSpPr>
-            <a:spLocks noGrp="1"/>
-          </p:cNvSpPr>
-          <p:nvPr>
-            <p:ph idx="1"/>
-          </p:nvPr>
-        </p:nvSpPr>
-        <p:spPr>
-          <a:xfrm>
-            <a:off x="300120" y="899378"/>
-            <a:ext cx="8543761" cy="3762647"/>
-          </a:xfrm>
-          <a:solidFill>
-            <a:schemeClr val="accent3">
-              <a:lumMod val="20000"/>
-              <a:lumOff val="80000"/>
-            </a:schemeClr>
-          </a:solidFill>
-        </p:spPr>
-        <p:txBody>
-          <a:bodyPr>
-            <a:noAutofit/>
-          </a:bodyPr>
-          <a:lstStyle/>
-          <a:p>
-            <a:pPr marL="0" indent="0">
+            <a:pPr marL="0" indent="0" algn="ctr">
               <a:buNone/>
             </a:pPr>
             <a:r>
-              <a:rPr lang="en-US" sz="2000" dirty="0">
-                <a:latin typeface="Courier"/>
-                <a:cs typeface="Courier"/>
-              </a:rPr>
-              <a:t>#!/bin/bash -l</a:t>
-            </a:r>
-          </a:p>
-          <a:p>
-            <a:pPr marL="0" indent="0">
-              <a:buNone/>
-            </a:pPr>
-            <a:r>
-              <a:rPr lang="en-US" sz="2000" dirty="0" err="1">
-                <a:latin typeface="Courier"/>
-                <a:cs typeface="Courier"/>
-              </a:rPr>
-              <a:t>indata</a:t>
-            </a:r>
-            <a:r>
-              <a:rPr lang="en-US" sz="2000" dirty="0">
-                <a:latin typeface="Courier"/>
-                <a:cs typeface="Courier"/>
-              </a:rPr>
-              <a:t>=../data/HF4/</a:t>
-            </a:r>
-            <a:r>
-              <a:rPr lang="en-US" sz="2000" dirty="0" err="1">
-                <a:latin typeface="Courier"/>
-                <a:cs typeface="Courier"/>
-              </a:rPr>
-              <a:t>pacbio</a:t>
-            </a:r>
-            <a:r>
-              <a:rPr lang="en-US" sz="2000" dirty="0">
-                <a:latin typeface="Courier"/>
-                <a:cs typeface="Courier"/>
-              </a:rPr>
-              <a:t>/pacbio_cmnHF4_1.fastq.gz</a:t>
-            </a:r>
-          </a:p>
-          <a:p>
-            <a:pPr marL="0" indent="0">
-              <a:buNone/>
-            </a:pPr>
-            <a:r>
-              <a:rPr lang="en-US" sz="2000" dirty="0">
-                <a:latin typeface="Courier"/>
-                <a:cs typeface="Courier"/>
-              </a:rPr>
-              <a:t>out=cmnHF4</a:t>
-            </a:r>
-          </a:p>
-          <a:p>
-            <a:pPr marL="0" indent="0">
-              <a:buNone/>
-            </a:pPr>
-            <a:r>
-              <a:rPr lang="en-US" sz="2000" dirty="0">
-                <a:latin typeface="Courier"/>
-                <a:cs typeface="Courier"/>
-              </a:rPr>
-              <a:t># load java</a:t>
-            </a:r>
-          </a:p>
-          <a:p>
-            <a:pPr marL="0" indent="0">
-              <a:buNone/>
-            </a:pPr>
-            <a:r>
-              <a:rPr lang="en-US" sz="2000" dirty="0">
-                <a:latin typeface="Courier" pitchFamily="2" charset="0"/>
-                <a:cs typeface="Courier"/>
-              </a:rPr>
-              <a:t>module load </a:t>
-            </a:r>
-            <a:r>
-              <a:rPr lang="en-US" sz="2000" dirty="0" err="1">
-                <a:latin typeface="Courier" pitchFamily="2" charset="0"/>
-                <a:cs typeface="Courier"/>
-              </a:rPr>
+              <a:rPr lang="en-US" sz="9600" dirty="0" err="1"/>
               <a:t>canu</a:t>
             </a:r>
-            <a:endParaRPr lang="en-US" sz="2000" dirty="0">
-              <a:latin typeface="Courier" pitchFamily="2" charset="0"/>
-              <a:cs typeface="Courier"/>
-            </a:endParaRPr>
-          </a:p>
-          <a:p>
-            <a:pPr marL="0" indent="0">
-              <a:buNone/>
-            </a:pPr>
-            <a:r>
-              <a:rPr lang="en-US" sz="2000" dirty="0">
-                <a:latin typeface="Courier" pitchFamily="2" charset="0"/>
-                <a:cs typeface="Courier"/>
-              </a:rPr>
-              <a:t># run </a:t>
-            </a:r>
-            <a:r>
-              <a:rPr lang="en-US" sz="2000" dirty="0" err="1">
-                <a:latin typeface="Courier" pitchFamily="2" charset="0"/>
-                <a:cs typeface="Courier"/>
-              </a:rPr>
-              <a:t>canu</a:t>
-            </a:r>
-            <a:endParaRPr lang="en-US" sz="2000" dirty="0">
-              <a:latin typeface="Courier" pitchFamily="2" charset="0"/>
-              <a:cs typeface="Courier"/>
-            </a:endParaRPr>
-          </a:p>
-          <a:p>
-            <a:pPr marL="0" indent="0">
-              <a:buNone/>
-            </a:pPr>
-            <a:r>
-              <a:rPr lang="en-US" sz="2000" dirty="0" err="1">
-                <a:latin typeface="Courier" pitchFamily="2" charset="0"/>
-                <a:cs typeface="Courier"/>
-              </a:rPr>
-              <a:t>canu</a:t>
-            </a:r>
-            <a:r>
-              <a:rPr lang="en-US" sz="2000" dirty="0">
-                <a:latin typeface="Courier" pitchFamily="2" charset="0"/>
-                <a:cs typeface="Courier"/>
-              </a:rPr>
-              <a:t> -d $out </a:t>
-            </a:r>
-            <a:r>
-              <a:rPr lang="en-US" sz="2000" dirty="0">
-                <a:latin typeface="Courier"/>
-                <a:cs typeface="Courier"/>
-              </a:rPr>
-              <a:t>-p $out \</a:t>
-            </a:r>
-          </a:p>
-          <a:p>
-            <a:pPr marL="0" indent="0">
-              <a:buNone/>
-            </a:pPr>
-            <a:r>
-              <a:rPr lang="en-US" sz="2000" dirty="0">
-                <a:latin typeface="Courier"/>
-                <a:cs typeface="Courier"/>
-              </a:rPr>
-              <a:t>   </a:t>
-            </a:r>
-            <a:r>
-              <a:rPr lang="en-US" sz="2000" dirty="0" err="1">
-                <a:latin typeface="Courier"/>
-                <a:cs typeface="Courier"/>
-              </a:rPr>
-              <a:t>genomeSize</a:t>
-            </a:r>
-            <a:r>
-              <a:rPr lang="en-US" sz="2000" dirty="0">
-                <a:latin typeface="Courier"/>
-                <a:cs typeface="Courier"/>
-              </a:rPr>
-              <a:t>=3m \</a:t>
-            </a:r>
-          </a:p>
-          <a:p>
-            <a:pPr marL="0" indent="0">
-              <a:buNone/>
-            </a:pPr>
-            <a:r>
-              <a:rPr lang="en-US" sz="2000" dirty="0">
-                <a:latin typeface="Courier"/>
-                <a:cs typeface="Courier"/>
-              </a:rPr>
-              <a:t>   -</a:t>
-            </a:r>
-            <a:r>
-              <a:rPr lang="en-US" sz="2000" dirty="0" err="1">
-                <a:latin typeface="Courier"/>
-                <a:cs typeface="Courier"/>
-              </a:rPr>
-              <a:t>gridOptions</a:t>
-            </a:r>
-            <a:r>
-              <a:rPr lang="en-US" sz="2000" dirty="0">
-                <a:latin typeface="Courier"/>
-                <a:cs typeface="Courier"/>
-              </a:rPr>
-              <a:t>="--time=1-00:00:00" \</a:t>
-            </a:r>
-          </a:p>
-          <a:p>
-            <a:pPr marL="0" indent="0">
-              <a:buNone/>
-            </a:pPr>
-            <a:r>
-              <a:rPr lang="en-US" sz="2000" dirty="0">
-                <a:latin typeface="Courier"/>
-                <a:cs typeface="Courier"/>
-              </a:rPr>
-              <a:t>   -</a:t>
-            </a:r>
-            <a:r>
-              <a:rPr lang="en-US" sz="2000" dirty="0" err="1">
-                <a:latin typeface="Courier"/>
-                <a:cs typeface="Courier"/>
-              </a:rPr>
-              <a:t>pacbio</a:t>
-            </a:r>
-            <a:r>
-              <a:rPr lang="en-US" sz="2000" dirty="0">
-                <a:latin typeface="Courier"/>
-                <a:cs typeface="Courier"/>
-              </a:rPr>
-              <a:t> $</a:t>
-            </a:r>
-            <a:r>
-              <a:rPr lang="en-US" sz="2000" dirty="0" err="1">
-                <a:latin typeface="Courier"/>
-                <a:cs typeface="Courier"/>
-              </a:rPr>
-              <a:t>indata</a:t>
-            </a:r>
-            <a:endParaRPr lang="en-US" sz="2000" dirty="0">
-              <a:latin typeface="Courier"/>
-              <a:cs typeface="Courier"/>
-            </a:endParaRPr>
-          </a:p>
-        </p:txBody>
-      </p:sp>
-      <p:sp>
-        <p:nvSpPr>
-          <p:cNvPr id="4" name="TextBox 3">
-            <a:extLst>
-              <a:ext uri="{FF2B5EF4-FFF2-40B4-BE49-F238E27FC236}">
-                <a16:creationId xmlns:a16="http://schemas.microsoft.com/office/drawing/2014/main" id="{1AE544D4-0EBE-074A-840F-0FDC43FC855A}"/>
-              </a:ext>
-            </a:extLst>
-          </p:cNvPr>
-          <p:cNvSpPr txBox="1"/>
-          <p:nvPr/>
-        </p:nvSpPr>
-        <p:spPr>
-          <a:xfrm>
-            <a:off x="3691020" y="4618263"/>
-            <a:ext cx="2190664" cy="461665"/>
-          </a:xfrm>
-          <a:prstGeom prst="rect">
-            <a:avLst/>
-          </a:prstGeom>
-          <a:noFill/>
-        </p:spPr>
-        <p:txBody>
-          <a:bodyPr wrap="none" rtlCol="0">
-            <a:spAutoFit/>
-          </a:bodyPr>
-          <a:lstStyle/>
-          <a:p>
-            <a:r>
-              <a:rPr lang="en-US" sz="2400" dirty="0"/>
-              <a:t>bash canu.01.sh</a:t>
-            </a:r>
-          </a:p>
-        </p:txBody>
-      </p:sp>
-      <p:sp>
-        <p:nvSpPr>
-          <p:cNvPr id="5" name="TextBox 4">
-            <a:extLst>
-              <a:ext uri="{FF2B5EF4-FFF2-40B4-BE49-F238E27FC236}">
-                <a16:creationId xmlns:a16="http://schemas.microsoft.com/office/drawing/2014/main" id="{181E214A-8E6C-E116-7D58-D2BF96878DE8}"/>
-              </a:ext>
-            </a:extLst>
-          </p:cNvPr>
-          <p:cNvSpPr txBox="1"/>
-          <p:nvPr/>
-        </p:nvSpPr>
-        <p:spPr>
-          <a:xfrm>
-            <a:off x="7272339" y="481475"/>
-            <a:ext cx="1530227" cy="461665"/>
-          </a:xfrm>
-          <a:prstGeom prst="rect">
-            <a:avLst/>
-          </a:prstGeom>
-          <a:noFill/>
-        </p:spPr>
-        <p:txBody>
-          <a:bodyPr wrap="none" rtlCol="0">
-            <a:spAutoFit/>
-          </a:bodyPr>
-          <a:lstStyle/>
-          <a:p>
-            <a:r>
-              <a:rPr lang="en-US" sz="2400" dirty="0"/>
-              <a:t>canu.01.sh</a:t>
-            </a:r>
+            <a:endParaRPr lang="en-US" sz="9600" dirty="0"/>
           </a:p>
         </p:txBody>
       </p:sp>
     </p:spTree>
     <p:extLst>
       <p:ext uri="{BB962C8B-B14F-4D97-AF65-F5344CB8AC3E}">
-        <p14:creationId xmlns:p14="http://schemas.microsoft.com/office/powerpoint/2010/main" val="1490288582"/>
+        <p14:creationId xmlns:p14="http://schemas.microsoft.com/office/powerpoint/2010/main" val="200906285"/>
       </p:ext>
     </p:extLst>
   </p:cSld>
@@ -6736,6 +6543,409 @@
       </p:grpSpPr>
       <p:sp>
         <p:nvSpPr>
+          <p:cNvPr id="2" name="Title 1"/>
+          <p:cNvSpPr>
+            <a:spLocks noGrp="1"/>
+          </p:cNvSpPr>
+          <p:nvPr>
+            <p:ph type="title"/>
+          </p:nvPr>
+        </p:nvSpPr>
+        <p:spPr>
+          <a:xfrm>
+            <a:off x="457200" y="108857"/>
+            <a:ext cx="8229600" cy="676862"/>
+          </a:xfrm>
+        </p:spPr>
+        <p:txBody>
+          <a:bodyPr>
+            <a:normAutofit/>
+          </a:bodyPr>
+          <a:lstStyle/>
+          <a:p>
+            <a:r>
+              <a:rPr lang="en-US" sz="3200" dirty="0" err="1"/>
+              <a:t>Canu</a:t>
+            </a:r>
+            <a:r>
+              <a:rPr lang="en-US" sz="3200" dirty="0"/>
+              <a:t> assembly</a:t>
+            </a:r>
+          </a:p>
+        </p:txBody>
+      </p:sp>
+      <p:sp>
+        <p:nvSpPr>
+          <p:cNvPr id="3" name="Content Placeholder 2"/>
+          <p:cNvSpPr>
+            <a:spLocks noGrp="1"/>
+          </p:cNvSpPr>
+          <p:nvPr>
+            <p:ph idx="1"/>
+          </p:nvPr>
+        </p:nvSpPr>
+        <p:spPr>
+          <a:xfrm>
+            <a:off x="300120" y="899378"/>
+            <a:ext cx="8543761" cy="3762647"/>
+          </a:xfrm>
+          <a:solidFill>
+            <a:schemeClr val="accent3">
+              <a:lumMod val="20000"/>
+              <a:lumOff val="80000"/>
+            </a:schemeClr>
+          </a:solidFill>
+        </p:spPr>
+        <p:txBody>
+          <a:bodyPr>
+            <a:noAutofit/>
+          </a:bodyPr>
+          <a:lstStyle/>
+          <a:p>
+            <a:pPr marL="0" indent="0">
+              <a:buNone/>
+            </a:pPr>
+            <a:r>
+              <a:rPr lang="en-US" sz="2000" dirty="0">
+                <a:latin typeface="Courier"/>
+                <a:cs typeface="Courier"/>
+              </a:rPr>
+              <a:t>#!/bin/bash -l</a:t>
+            </a:r>
+          </a:p>
+          <a:p>
+            <a:pPr marL="0" indent="0">
+              <a:buNone/>
+            </a:pPr>
+            <a:r>
+              <a:rPr lang="en-US" sz="2000" dirty="0" err="1">
+                <a:latin typeface="Courier"/>
+                <a:cs typeface="Courier"/>
+              </a:rPr>
+              <a:t>indata</a:t>
+            </a:r>
+            <a:r>
+              <a:rPr lang="en-US" sz="2000" dirty="0">
+                <a:latin typeface="Courier"/>
+                <a:cs typeface="Courier"/>
+              </a:rPr>
+              <a:t>=../data/HF4/</a:t>
+            </a:r>
+            <a:r>
+              <a:rPr lang="en-US" sz="2000" dirty="0" err="1">
+                <a:latin typeface="Courier"/>
+                <a:cs typeface="Courier"/>
+              </a:rPr>
+              <a:t>pacbio</a:t>
+            </a:r>
+            <a:r>
+              <a:rPr lang="en-US" sz="2000" dirty="0">
+                <a:latin typeface="Courier"/>
+                <a:cs typeface="Courier"/>
+              </a:rPr>
+              <a:t>/pacbio_cmnHF4_1.fastq.gz</a:t>
+            </a:r>
+          </a:p>
+          <a:p>
+            <a:pPr marL="0" indent="0">
+              <a:buNone/>
+            </a:pPr>
+            <a:r>
+              <a:rPr lang="en-US" sz="2000" dirty="0">
+                <a:latin typeface="Courier"/>
+                <a:cs typeface="Courier"/>
+              </a:rPr>
+              <a:t>out=cmnHF4</a:t>
+            </a:r>
+          </a:p>
+          <a:p>
+            <a:pPr marL="0" indent="0">
+              <a:buNone/>
+            </a:pPr>
+            <a:r>
+              <a:rPr lang="en-US" sz="2000" dirty="0">
+                <a:latin typeface="Courier"/>
+                <a:cs typeface="Courier"/>
+              </a:rPr>
+              <a:t># load </a:t>
+            </a:r>
+            <a:r>
+              <a:rPr lang="en-US" sz="2000" dirty="0" err="1">
+                <a:latin typeface="Courier"/>
+                <a:cs typeface="Courier"/>
+              </a:rPr>
+              <a:t>canu</a:t>
+            </a:r>
+            <a:endParaRPr lang="en-US" sz="2000" dirty="0">
+              <a:latin typeface="Courier"/>
+              <a:cs typeface="Courier"/>
+            </a:endParaRPr>
+          </a:p>
+          <a:p>
+            <a:pPr marL="0" indent="0">
+              <a:buNone/>
+            </a:pPr>
+            <a:r>
+              <a:rPr lang="en-US" sz="2000" dirty="0">
+                <a:latin typeface="Courier" pitchFamily="2" charset="0"/>
+                <a:cs typeface="Courier"/>
+              </a:rPr>
+              <a:t>module load </a:t>
+            </a:r>
+            <a:r>
+              <a:rPr lang="en-US" sz="2000" dirty="0" err="1">
+                <a:latin typeface="Courier" pitchFamily="2" charset="0"/>
+                <a:cs typeface="Courier"/>
+              </a:rPr>
+              <a:t>canu</a:t>
+            </a:r>
+            <a:endParaRPr lang="en-US" sz="2000" dirty="0">
+              <a:latin typeface="Courier" pitchFamily="2" charset="0"/>
+              <a:cs typeface="Courier"/>
+            </a:endParaRPr>
+          </a:p>
+          <a:p>
+            <a:pPr marL="0" indent="0">
+              <a:buNone/>
+            </a:pPr>
+            <a:r>
+              <a:rPr lang="en-US" sz="2000" dirty="0">
+                <a:latin typeface="Courier" pitchFamily="2" charset="0"/>
+                <a:cs typeface="Courier"/>
+              </a:rPr>
+              <a:t># run </a:t>
+            </a:r>
+            <a:r>
+              <a:rPr lang="en-US" sz="2000" dirty="0" err="1">
+                <a:latin typeface="Courier" pitchFamily="2" charset="0"/>
+                <a:cs typeface="Courier"/>
+              </a:rPr>
+              <a:t>canu</a:t>
+            </a:r>
+            <a:endParaRPr lang="en-US" sz="2000" dirty="0">
+              <a:latin typeface="Courier" pitchFamily="2" charset="0"/>
+              <a:cs typeface="Courier"/>
+            </a:endParaRPr>
+          </a:p>
+          <a:p>
+            <a:pPr marL="0" indent="0">
+              <a:buNone/>
+            </a:pPr>
+            <a:r>
+              <a:rPr lang="en-US" sz="2000" dirty="0" err="1">
+                <a:latin typeface="Courier" pitchFamily="2" charset="0"/>
+                <a:cs typeface="Courier"/>
+              </a:rPr>
+              <a:t>canu</a:t>
+            </a:r>
+            <a:r>
+              <a:rPr lang="en-US" sz="2000" dirty="0">
+                <a:latin typeface="Courier" pitchFamily="2" charset="0"/>
+                <a:cs typeface="Courier"/>
+              </a:rPr>
+              <a:t> -d $out </a:t>
+            </a:r>
+            <a:r>
+              <a:rPr lang="en-US" sz="2000" dirty="0">
+                <a:latin typeface="Courier"/>
+                <a:cs typeface="Courier"/>
+              </a:rPr>
+              <a:t>-p $out \</a:t>
+            </a:r>
+          </a:p>
+          <a:p>
+            <a:pPr marL="0" indent="0">
+              <a:buNone/>
+            </a:pPr>
+            <a:r>
+              <a:rPr lang="en-US" sz="2000" dirty="0">
+                <a:latin typeface="Courier"/>
+                <a:cs typeface="Courier"/>
+              </a:rPr>
+              <a:t>   </a:t>
+            </a:r>
+            <a:r>
+              <a:rPr lang="en-US" sz="2000" dirty="0" err="1">
+                <a:latin typeface="Courier"/>
+                <a:cs typeface="Courier"/>
+              </a:rPr>
+              <a:t>genomeSize</a:t>
+            </a:r>
+            <a:r>
+              <a:rPr lang="en-US" sz="2000" dirty="0">
+                <a:latin typeface="Courier"/>
+                <a:cs typeface="Courier"/>
+              </a:rPr>
+              <a:t>=3m \</a:t>
+            </a:r>
+          </a:p>
+          <a:p>
+            <a:pPr marL="0" indent="0">
+              <a:buNone/>
+            </a:pPr>
+            <a:r>
+              <a:rPr lang="en-US" sz="2000" dirty="0">
+                <a:latin typeface="Courier"/>
+                <a:cs typeface="Courier"/>
+              </a:rPr>
+              <a:t>   -</a:t>
+            </a:r>
+            <a:r>
+              <a:rPr lang="en-US" sz="2000" dirty="0" err="1">
+                <a:latin typeface="Courier"/>
+                <a:cs typeface="Courier"/>
+              </a:rPr>
+              <a:t>gridOptions</a:t>
+            </a:r>
+            <a:r>
+              <a:rPr lang="en-US" sz="2000" dirty="0">
+                <a:latin typeface="Courier"/>
+                <a:cs typeface="Courier"/>
+              </a:rPr>
+              <a:t>="--time=1-00:00:00" \</a:t>
+            </a:r>
+          </a:p>
+          <a:p>
+            <a:pPr marL="0" indent="0">
+              <a:buNone/>
+            </a:pPr>
+            <a:r>
+              <a:rPr lang="en-US" sz="2000" dirty="0">
+                <a:latin typeface="Courier"/>
+                <a:cs typeface="Courier"/>
+              </a:rPr>
+              <a:t>   -</a:t>
+            </a:r>
+            <a:r>
+              <a:rPr lang="en-US" sz="2000" dirty="0" err="1">
+                <a:latin typeface="Courier"/>
+                <a:cs typeface="Courier"/>
+              </a:rPr>
+              <a:t>pacbio</a:t>
+            </a:r>
+            <a:r>
+              <a:rPr lang="en-US" sz="2000" dirty="0">
+                <a:latin typeface="Courier"/>
+                <a:cs typeface="Courier"/>
+              </a:rPr>
+              <a:t> $</a:t>
+            </a:r>
+            <a:r>
+              <a:rPr lang="en-US" sz="2000" dirty="0" err="1">
+                <a:latin typeface="Courier"/>
+                <a:cs typeface="Courier"/>
+              </a:rPr>
+              <a:t>indata</a:t>
+            </a:r>
+            <a:endParaRPr lang="en-US" sz="2000" dirty="0">
+              <a:latin typeface="Courier"/>
+              <a:cs typeface="Courier"/>
+            </a:endParaRPr>
+          </a:p>
+        </p:txBody>
+      </p:sp>
+      <p:sp>
+        <p:nvSpPr>
+          <p:cNvPr id="4" name="TextBox 3">
+            <a:extLst>
+              <a:ext uri="{FF2B5EF4-FFF2-40B4-BE49-F238E27FC236}">
+                <a16:creationId xmlns:a16="http://schemas.microsoft.com/office/drawing/2014/main" id="{1AE544D4-0EBE-074A-840F-0FDC43FC855A}"/>
+              </a:ext>
+            </a:extLst>
+          </p:cNvPr>
+          <p:cNvSpPr txBox="1"/>
+          <p:nvPr/>
+        </p:nvSpPr>
+        <p:spPr>
+          <a:xfrm>
+            <a:off x="3691020" y="4618263"/>
+            <a:ext cx="2190664" cy="461665"/>
+          </a:xfrm>
+          <a:prstGeom prst="rect">
+            <a:avLst/>
+          </a:prstGeom>
+          <a:noFill/>
+        </p:spPr>
+        <p:txBody>
+          <a:bodyPr wrap="none" rtlCol="0">
+            <a:spAutoFit/>
+          </a:bodyPr>
+          <a:lstStyle/>
+          <a:p>
+            <a:r>
+              <a:rPr lang="en-US" sz="2400" dirty="0"/>
+              <a:t>bash canu.01.sh</a:t>
+            </a:r>
+          </a:p>
+        </p:txBody>
+      </p:sp>
+      <p:sp>
+        <p:nvSpPr>
+          <p:cNvPr id="5" name="TextBox 4">
+            <a:extLst>
+              <a:ext uri="{FF2B5EF4-FFF2-40B4-BE49-F238E27FC236}">
+                <a16:creationId xmlns:a16="http://schemas.microsoft.com/office/drawing/2014/main" id="{181E214A-8E6C-E116-7D58-D2BF96878DE8}"/>
+              </a:ext>
+            </a:extLst>
+          </p:cNvPr>
+          <p:cNvSpPr txBox="1"/>
+          <p:nvPr/>
+        </p:nvSpPr>
+        <p:spPr>
+          <a:xfrm>
+            <a:off x="7272339" y="481475"/>
+            <a:ext cx="1530227" cy="461665"/>
+          </a:xfrm>
+          <a:prstGeom prst="rect">
+            <a:avLst/>
+          </a:prstGeom>
+          <a:noFill/>
+        </p:spPr>
+        <p:txBody>
+          <a:bodyPr wrap="none" rtlCol="0">
+            <a:spAutoFit/>
+          </a:bodyPr>
+          <a:lstStyle/>
+          <a:p>
+            <a:r>
+              <a:rPr lang="en-US" sz="2400" dirty="0"/>
+              <a:t>canu.01.sh</a:t>
+            </a:r>
+          </a:p>
+        </p:txBody>
+      </p:sp>
+    </p:spTree>
+    <p:extLst>
+      <p:ext uri="{BB962C8B-B14F-4D97-AF65-F5344CB8AC3E}">
+        <p14:creationId xmlns:p14="http://schemas.microsoft.com/office/powerpoint/2010/main" val="1490288582"/>
+      </p:ext>
+    </p:extLst>
+  </p:cSld>
+  <p:clrMapOvr>
+    <a:masterClrMapping/>
+  </p:clrMapOvr>
+</p:sld>
+</file>
+
+<file path=ppt/slides/slide18.xml><?xml version="1.0" encoding="utf-8"?>
+<p:sld xmlns:a="http://schemas.openxmlformats.org/drawingml/2006/main" xmlns:r="http://schemas.openxmlformats.org/officeDocument/2006/relationships" xmlns:p="http://schemas.openxmlformats.org/presentationml/2006/main">
+  <p:cSld>
+    <p:spTree>
+      <p:nvGrpSpPr>
+        <p:cNvPr id="1" name=""/>
+        <p:cNvGrpSpPr/>
+        <p:nvPr/>
+      </p:nvGrpSpPr>
+      <p:grpSpPr>
+        <a:xfrm>
+          <a:off x="0" y="0"/>
+          <a:ext cx="0" cy="0"/>
+          <a:chOff x="0" y="0"/>
+          <a:chExt cx="0" cy="0"/>
+        </a:xfrm>
+      </p:grpSpPr>
+      <p:sp>
+        <p:nvSpPr>
           <p:cNvPr id="2" name="Title 1">
             <a:extLst>
               <a:ext uri="{FF2B5EF4-FFF2-40B4-BE49-F238E27FC236}">
@@ -6791,7 +7001,7 @@
           <a:p>
             <a:fld id="{9DA039C4-C5F2-1743-BB7A-5D831266C61E}" type="slidenum">
               <a:rPr lang="en-US" smtClean="0"/>
-              <a:t>17</a:t>
+              <a:t>18</a:t>
             </a:fld>
             <a:endParaRPr lang="en-US"/>
           </a:p>
@@ -6965,7 +7175,7 @@
 </p:sld>
 </file>
 
-<file path=ppt/slides/slide18.xml><?xml version="1.0" encoding="utf-8"?>
+<file path=ppt/slides/slide19.xml><?xml version="1.0" encoding="utf-8"?>
 <p:sld xmlns:a="http://schemas.openxmlformats.org/drawingml/2006/main" xmlns:r="http://schemas.openxmlformats.org/officeDocument/2006/relationships" xmlns:p="http://schemas.openxmlformats.org/presentationml/2006/main">
   <p:cSld>
     <p:spTree>
@@ -7044,7 +7254,7 @@
           <a:p>
             <a:fld id="{9DA039C4-C5F2-1743-BB7A-5D831266C61E}" type="slidenum">
               <a:rPr lang="en-US" smtClean="0"/>
-              <a:t>18</a:t>
+              <a:t>19</a:t>
             </a:fld>
             <a:endParaRPr lang="en-US"/>
           </a:p>
@@ -7137,7 +7347,7 @@
 </p:sld>
 </file>
 
-<file path=ppt/slides/slide19.xml><?xml version="1.0" encoding="utf-8"?>
+<file path=ppt/slides/slide2.xml><?xml version="1.0" encoding="utf-8"?>
 <p:sld xmlns:a="http://schemas.openxmlformats.org/drawingml/2006/main" xmlns:r="http://schemas.openxmlformats.org/officeDocument/2006/relationships" xmlns:p="http://schemas.openxmlformats.org/presentationml/2006/main">
   <p:cSld>
     <p:spTree>
@@ -7156,6 +7366,127 @@
       </p:grpSpPr>
       <p:sp>
         <p:nvSpPr>
+          <p:cNvPr id="2" name="Title 1"/>
+          <p:cNvSpPr>
+            <a:spLocks noGrp="1"/>
+          </p:cNvSpPr>
+          <p:nvPr>
+            <p:ph type="title"/>
+          </p:nvPr>
+        </p:nvSpPr>
+        <p:spPr>
+          <a:xfrm>
+            <a:off x="457200" y="464456"/>
+            <a:ext cx="8229600" cy="684893"/>
+          </a:xfrm>
+        </p:spPr>
+        <p:txBody>
+          <a:bodyPr>
+            <a:normAutofit/>
+          </a:bodyPr>
+          <a:lstStyle/>
+          <a:p>
+            <a:r>
+              <a:rPr lang="en-US" sz="3200" dirty="0"/>
+              <a:t>Today's Lab</a:t>
+            </a:r>
+          </a:p>
+        </p:txBody>
+      </p:sp>
+      <p:sp>
+        <p:nvSpPr>
+          <p:cNvPr id="3" name="Content Placeholder 2"/>
+          <p:cNvSpPr>
+            <a:spLocks noGrp="1"/>
+          </p:cNvSpPr>
+          <p:nvPr>
+            <p:ph idx="1"/>
+          </p:nvPr>
+        </p:nvSpPr>
+        <p:spPr>
+          <a:xfrm>
+            <a:off x="680360" y="1664606"/>
+            <a:ext cx="7783280" cy="1814287"/>
+          </a:xfrm>
+        </p:spPr>
+        <p:txBody>
+          <a:bodyPr>
+            <a:noAutofit/>
+          </a:bodyPr>
+          <a:lstStyle/>
+          <a:p>
+            <a:r>
+              <a:rPr lang="en-US" sz="2800" dirty="0"/>
+              <a:t>Genome assemblies using SOAPdenovo2</a:t>
+            </a:r>
+          </a:p>
+          <a:p>
+            <a:pPr>
+              <a:lnSpc>
+                <a:spcPct val="120000"/>
+              </a:lnSpc>
+            </a:pPr>
+            <a:r>
+              <a:rPr lang="en-US" sz="2800" dirty="0"/>
+              <a:t>Long-read genome assemblies with </a:t>
+            </a:r>
+            <a:r>
+              <a:rPr lang="en-US" sz="2800" dirty="0" err="1"/>
+              <a:t>Canu</a:t>
+            </a:r>
+            <a:endParaRPr lang="en-US" sz="2800" dirty="0"/>
+          </a:p>
+          <a:p>
+            <a:pPr>
+              <a:lnSpc>
+                <a:spcPct val="120000"/>
+              </a:lnSpc>
+            </a:pPr>
+            <a:r>
+              <a:rPr lang="en-US" sz="2800" dirty="0"/>
+              <a:t>Polishing (error correction) with Illumina data</a:t>
+            </a:r>
+          </a:p>
+          <a:p>
+            <a:pPr marL="0" indent="0">
+              <a:buNone/>
+            </a:pPr>
+            <a:endParaRPr lang="en-US" sz="2800" dirty="0"/>
+          </a:p>
+        </p:txBody>
+      </p:sp>
+    </p:spTree>
+    <p:extLst>
+      <p:ext uri="{BB962C8B-B14F-4D97-AF65-F5344CB8AC3E}">
+        <p14:creationId xmlns:p14="http://schemas.microsoft.com/office/powerpoint/2010/main" val="680636787"/>
+      </p:ext>
+    </p:extLst>
+  </p:cSld>
+  <p:clrMapOvr>
+    <a:masterClrMapping/>
+  </p:clrMapOvr>
+</p:sld>
+</file>
+
+<file path=ppt/slides/slide20.xml><?xml version="1.0" encoding="utf-8"?>
+<p:sld xmlns:a="http://schemas.openxmlformats.org/drawingml/2006/main" xmlns:r="http://schemas.openxmlformats.org/officeDocument/2006/relationships" xmlns:p="http://schemas.openxmlformats.org/presentationml/2006/main">
+  <p:cSld>
+    <p:spTree>
+      <p:nvGrpSpPr>
+        <p:cNvPr id="1" name=""/>
+        <p:cNvGrpSpPr/>
+        <p:nvPr/>
+      </p:nvGrpSpPr>
+      <p:grpSpPr>
+        <a:xfrm>
+          <a:off x="0" y="0"/>
+          <a:ext cx="0" cy="0"/>
+          <a:chOff x="0" y="0"/>
+          <a:chExt cx="0" cy="0"/>
+        </a:xfrm>
+      </p:grpSpPr>
+      <p:sp>
+        <p:nvSpPr>
           <p:cNvPr id="2" name="Title 1">
             <a:extLst>
               <a:ext uri="{FF2B5EF4-FFF2-40B4-BE49-F238E27FC236}">
@@ -7221,7 +7552,7 @@
           <a:p>
             <a:fld id="{9DA039C4-C5F2-1743-BB7A-5D831266C61E}" type="slidenum">
               <a:rPr lang="en-US" smtClean="0"/>
-              <a:t>19</a:t>
+              <a:t>20</a:t>
             </a:fld>
             <a:endParaRPr lang="en-US"/>
           </a:p>
@@ -7314,128 +7645,7 @@
 </p:sld>
 </file>
 
-<file path=ppt/slides/slide2.xml><?xml version="1.0" encoding="utf-8"?>
-<p:sld xmlns:a="http://schemas.openxmlformats.org/drawingml/2006/main" xmlns:r="http://schemas.openxmlformats.org/officeDocument/2006/relationships" xmlns:p="http://schemas.openxmlformats.org/presentationml/2006/main">
-  <p:cSld>
-    <p:spTree>
-      <p:nvGrpSpPr>
-        <p:cNvPr id="1" name=""/>
-        <p:cNvGrpSpPr/>
-        <p:nvPr/>
-      </p:nvGrpSpPr>
-      <p:grpSpPr>
-        <a:xfrm>
-          <a:off x="0" y="0"/>
-          <a:ext cx="0" cy="0"/>
-          <a:chOff x="0" y="0"/>
-          <a:chExt cx="0" cy="0"/>
-        </a:xfrm>
-      </p:grpSpPr>
-      <p:sp>
-        <p:nvSpPr>
-          <p:cNvPr id="2" name="Title 1"/>
-          <p:cNvSpPr>
-            <a:spLocks noGrp="1"/>
-          </p:cNvSpPr>
-          <p:nvPr>
-            <p:ph type="title"/>
-          </p:nvPr>
-        </p:nvSpPr>
-        <p:spPr>
-          <a:xfrm>
-            <a:off x="457200" y="464456"/>
-            <a:ext cx="8229600" cy="684893"/>
-          </a:xfrm>
-        </p:spPr>
-        <p:txBody>
-          <a:bodyPr>
-            <a:normAutofit/>
-          </a:bodyPr>
-          <a:lstStyle/>
-          <a:p>
-            <a:r>
-              <a:rPr lang="en-US" sz="3200" dirty="0"/>
-              <a:t>Today's Lab</a:t>
-            </a:r>
-          </a:p>
-        </p:txBody>
-      </p:sp>
-      <p:sp>
-        <p:nvSpPr>
-          <p:cNvPr id="3" name="Content Placeholder 2"/>
-          <p:cNvSpPr>
-            <a:spLocks noGrp="1"/>
-          </p:cNvSpPr>
-          <p:nvPr>
-            <p:ph idx="1"/>
-          </p:nvPr>
-        </p:nvSpPr>
-        <p:spPr>
-          <a:xfrm>
-            <a:off x="680360" y="1664606"/>
-            <a:ext cx="7783280" cy="1814287"/>
-          </a:xfrm>
-        </p:spPr>
-        <p:txBody>
-          <a:bodyPr>
-            <a:noAutofit/>
-          </a:bodyPr>
-          <a:lstStyle/>
-          <a:p>
-            <a:r>
-              <a:rPr lang="en-US" sz="2800" dirty="0"/>
-              <a:t>Genome assemblies using SOAPdenovo2</a:t>
-            </a:r>
-          </a:p>
-          <a:p>
-            <a:pPr>
-              <a:lnSpc>
-                <a:spcPct val="120000"/>
-              </a:lnSpc>
-            </a:pPr>
-            <a:r>
-              <a:rPr lang="en-US" sz="2800" dirty="0"/>
-              <a:t>Long-read genome assemblies with </a:t>
-            </a:r>
-            <a:r>
-              <a:rPr lang="en-US" sz="2800" dirty="0" err="1"/>
-              <a:t>Canu</a:t>
-            </a:r>
-            <a:endParaRPr lang="en-US" sz="2800" dirty="0"/>
-          </a:p>
-          <a:p>
-            <a:pPr>
-              <a:lnSpc>
-                <a:spcPct val="120000"/>
-              </a:lnSpc>
-            </a:pPr>
-            <a:r>
-              <a:rPr lang="en-US" sz="2800" dirty="0"/>
-              <a:t>Polishing (error correction) with Illumina data</a:t>
-            </a:r>
-          </a:p>
-          <a:p>
-            <a:pPr marL="0" indent="0">
-              <a:buNone/>
-            </a:pPr>
-            <a:endParaRPr lang="en-US" sz="2800" dirty="0"/>
-          </a:p>
-        </p:txBody>
-      </p:sp>
-    </p:spTree>
-    <p:extLst>
-      <p:ext uri="{BB962C8B-B14F-4D97-AF65-F5344CB8AC3E}">
-        <p14:creationId xmlns:p14="http://schemas.microsoft.com/office/powerpoint/2010/main" val="680636787"/>
-      </p:ext>
-    </p:extLst>
-  </p:cSld>
-  <p:clrMapOvr>
-    <a:masterClrMapping/>
-  </p:clrMapOvr>
-</p:sld>
-</file>
-
-<file path=ppt/slides/slide20.xml><?xml version="1.0" encoding="utf-8"?>
+<file path=ppt/slides/slide21.xml><?xml version="1.0" encoding="utf-8"?>
 <p:sld xmlns:a="http://schemas.openxmlformats.org/drawingml/2006/main" xmlns:r="http://schemas.openxmlformats.org/officeDocument/2006/relationships" xmlns:p="http://schemas.openxmlformats.org/presentationml/2006/main">
   <p:cSld>
     <p:spTree>
@@ -8017,113 +8227,6 @@
 </p:sld>
 </file>
 
-<file path=ppt/slides/slide21.xml><?xml version="1.0" encoding="utf-8"?>
-<p:sld xmlns:a="http://schemas.openxmlformats.org/drawingml/2006/main" xmlns:r="http://schemas.openxmlformats.org/officeDocument/2006/relationships" xmlns:p="http://schemas.openxmlformats.org/presentationml/2006/main">
-  <p:cSld>
-    <p:spTree>
-      <p:nvGrpSpPr>
-        <p:cNvPr id="1" name=""/>
-        <p:cNvGrpSpPr/>
-        <p:nvPr/>
-      </p:nvGrpSpPr>
-      <p:grpSpPr>
-        <a:xfrm>
-          <a:off x="0" y="0"/>
-          <a:ext cx="0" cy="0"/>
-          <a:chOff x="0" y="0"/>
-          <a:chExt cx="0" cy="0"/>
-        </a:xfrm>
-      </p:grpSpPr>
-      <p:sp>
-        <p:nvSpPr>
-          <p:cNvPr id="2" name="Title 1"/>
-          <p:cNvSpPr>
-            <a:spLocks noGrp="1"/>
-          </p:cNvSpPr>
-          <p:nvPr>
-            <p:ph type="title"/>
-          </p:nvPr>
-        </p:nvSpPr>
-        <p:spPr>
-          <a:xfrm>
-            <a:off x="457200" y="380999"/>
-            <a:ext cx="8229600" cy="1088571"/>
-          </a:xfrm>
-        </p:spPr>
-        <p:txBody>
-          <a:bodyPr>
-            <a:noAutofit/>
-          </a:bodyPr>
-          <a:lstStyle/>
-          <a:p>
-            <a:r>
-              <a:rPr lang="en-US" sz="3200" dirty="0"/>
-              <a:t>working directory</a:t>
-            </a:r>
-            <a:br>
-              <a:rPr lang="en-US" sz="3200" dirty="0"/>
-            </a:br>
-            <a:r>
-              <a:rPr lang="en-US" sz="3200" dirty="0"/>
-              <a:t>- </a:t>
-            </a:r>
-            <a:r>
-              <a:rPr lang="en-US" sz="3200" dirty="0" err="1"/>
-              <a:t>Pilon</a:t>
-            </a:r>
-            <a:r>
-              <a:rPr lang="en-US" sz="3200" dirty="0"/>
-              <a:t> polishing</a:t>
-            </a:r>
-          </a:p>
-        </p:txBody>
-      </p:sp>
-      <p:sp>
-        <p:nvSpPr>
-          <p:cNvPr id="3" name="Content Placeholder 2"/>
-          <p:cNvSpPr>
-            <a:spLocks noGrp="1"/>
-          </p:cNvSpPr>
-          <p:nvPr>
-            <p:ph idx="1"/>
-          </p:nvPr>
-        </p:nvSpPr>
-        <p:spPr>
-          <a:xfrm>
-            <a:off x="457200" y="2087679"/>
-            <a:ext cx="8229600" cy="1395750"/>
-          </a:xfrm>
-        </p:spPr>
-        <p:txBody>
-          <a:bodyPr>
-            <a:normAutofit fontScale="92500" lnSpcReduction="10000"/>
-          </a:bodyPr>
-          <a:lstStyle/>
-          <a:p>
-            <a:pPr marL="0" indent="0" algn="ctr">
-              <a:buNone/>
-            </a:pPr>
-            <a:r>
-              <a:rPr lang="en-US" sz="9600" dirty="0" err="1"/>
-              <a:t>pilon</a:t>
-            </a:r>
-            <a:endParaRPr lang="en-US" sz="9600" dirty="0"/>
-          </a:p>
-        </p:txBody>
-      </p:sp>
-    </p:spTree>
-    <p:extLst>
-      <p:ext uri="{BB962C8B-B14F-4D97-AF65-F5344CB8AC3E}">
-        <p14:creationId xmlns:p14="http://schemas.microsoft.com/office/powerpoint/2010/main" val="1722087163"/>
-      </p:ext>
-    </p:extLst>
-  </p:cSld>
-  <p:clrMapOvr>
-    <a:masterClrMapping/>
-  </p:clrMapOvr>
-</p:sld>
-</file>
-
 <file path=ppt/slides/slide22.xml><?xml version="1.0" encoding="utf-8"?>
 <p:sld xmlns:a="http://schemas.openxmlformats.org/drawingml/2006/main" xmlns:r="http://schemas.openxmlformats.org/officeDocument/2006/relationships" xmlns:p="http://schemas.openxmlformats.org/presentationml/2006/main">
   <p:cSld>
@@ -8153,6 +8256,113 @@
         </p:nvSpPr>
         <p:spPr>
           <a:xfrm>
+            <a:off x="457200" y="380999"/>
+            <a:ext cx="8229600" cy="1088571"/>
+          </a:xfrm>
+        </p:spPr>
+        <p:txBody>
+          <a:bodyPr>
+            <a:noAutofit/>
+          </a:bodyPr>
+          <a:lstStyle/>
+          <a:p>
+            <a:r>
+              <a:rPr lang="en-US" sz="3200" dirty="0"/>
+              <a:t>working directory</a:t>
+            </a:r>
+            <a:br>
+              <a:rPr lang="en-US" sz="3200" dirty="0"/>
+            </a:br>
+            <a:r>
+              <a:rPr lang="en-US" sz="3200" dirty="0"/>
+              <a:t>- </a:t>
+            </a:r>
+            <a:r>
+              <a:rPr lang="en-US" sz="3200" dirty="0" err="1"/>
+              <a:t>Pilon</a:t>
+            </a:r>
+            <a:r>
+              <a:rPr lang="en-US" sz="3200" dirty="0"/>
+              <a:t> polishing</a:t>
+            </a:r>
+          </a:p>
+        </p:txBody>
+      </p:sp>
+      <p:sp>
+        <p:nvSpPr>
+          <p:cNvPr id="3" name="Content Placeholder 2"/>
+          <p:cNvSpPr>
+            <a:spLocks noGrp="1"/>
+          </p:cNvSpPr>
+          <p:nvPr>
+            <p:ph idx="1"/>
+          </p:nvPr>
+        </p:nvSpPr>
+        <p:spPr>
+          <a:xfrm>
+            <a:off x="457200" y="2087679"/>
+            <a:ext cx="8229600" cy="1395750"/>
+          </a:xfrm>
+        </p:spPr>
+        <p:txBody>
+          <a:bodyPr>
+            <a:normAutofit fontScale="92500" lnSpcReduction="10000"/>
+          </a:bodyPr>
+          <a:lstStyle/>
+          <a:p>
+            <a:pPr marL="0" indent="0" algn="ctr">
+              <a:buNone/>
+            </a:pPr>
+            <a:r>
+              <a:rPr lang="en-US" sz="9600" dirty="0" err="1"/>
+              <a:t>pilon</a:t>
+            </a:r>
+            <a:endParaRPr lang="en-US" sz="9600" dirty="0"/>
+          </a:p>
+        </p:txBody>
+      </p:sp>
+    </p:spTree>
+    <p:extLst>
+      <p:ext uri="{BB962C8B-B14F-4D97-AF65-F5344CB8AC3E}">
+        <p14:creationId xmlns:p14="http://schemas.microsoft.com/office/powerpoint/2010/main" val="1722087163"/>
+      </p:ext>
+    </p:extLst>
+  </p:cSld>
+  <p:clrMapOvr>
+    <a:masterClrMapping/>
+  </p:clrMapOvr>
+</p:sld>
+</file>
+
+<file path=ppt/slides/slide23.xml><?xml version="1.0" encoding="utf-8"?>
+<p:sld xmlns:a="http://schemas.openxmlformats.org/drawingml/2006/main" xmlns:r="http://schemas.openxmlformats.org/officeDocument/2006/relationships" xmlns:p="http://schemas.openxmlformats.org/presentationml/2006/main">
+  <p:cSld>
+    <p:spTree>
+      <p:nvGrpSpPr>
+        <p:cNvPr id="1" name=""/>
+        <p:cNvGrpSpPr/>
+        <p:nvPr/>
+      </p:nvGrpSpPr>
+      <p:grpSpPr>
+        <a:xfrm>
+          <a:off x="0" y="0"/>
+          <a:ext cx="0" cy="0"/>
+          <a:chOff x="0" y="0"/>
+          <a:chExt cx="0" cy="0"/>
+        </a:xfrm>
+      </p:grpSpPr>
+      <p:sp>
+        <p:nvSpPr>
+          <p:cNvPr id="2" name="Title 1"/>
+          <p:cNvSpPr>
+            <a:spLocks noGrp="1"/>
+          </p:cNvSpPr>
+          <p:nvPr>
+            <p:ph type="title"/>
+          </p:nvPr>
+        </p:nvSpPr>
+        <p:spPr>
+          <a:xfrm>
             <a:off x="558800" y="84364"/>
             <a:ext cx="8229600" cy="699407"/>
           </a:xfrm>
@@ -8835,7 +9045,7 @@
 </p:sld>
 </file>
 
-<file path=ppt/slides/slide23.xml><?xml version="1.0" encoding="utf-8"?>
+<file path=ppt/slides/slide24.xml><?xml version="1.0" encoding="utf-8"?>
 <p:sld xmlns:a="http://schemas.openxmlformats.org/drawingml/2006/main" xmlns:r="http://schemas.openxmlformats.org/officeDocument/2006/relationships" xmlns:p="http://schemas.openxmlformats.org/presentationml/2006/main">
   <p:cSld>
     <p:spTree>
@@ -8950,7 +9160,7 @@
 </p:sld>
 </file>
 
-<file path=ppt/slides/slide24.xml><?xml version="1.0" encoding="utf-8"?>
+<file path=ppt/slides/slide25.xml><?xml version="1.0" encoding="utf-8"?>
 <p:sld xmlns:a="http://schemas.openxmlformats.org/drawingml/2006/main" xmlns:r="http://schemas.openxmlformats.org/officeDocument/2006/relationships" xmlns:p="http://schemas.openxmlformats.org/presentationml/2006/main">
   <p:cSld>
     <p:spTree>
@@ -9223,8 +9433,19 @@
                 <a:latin typeface="Courier"/>
                 <a:cs typeface="Courier"/>
               </a:rPr>
-              <a:t> . &gt;pilon2.log</a:t>
-            </a:r>
+              <a:t> . &gt;</a:t>
+            </a:r>
+            <a:r>
+              <a:rPr lang="en-US" sz="1800" dirty="0" err="1">
+                <a:latin typeface="Courier"/>
+                <a:cs typeface="Courier"/>
+              </a:rPr>
+              <a:t>pilon.log</a:t>
+            </a:r>
+            <a:endParaRPr lang="en-US" sz="1800" dirty="0">
+              <a:latin typeface="Courier"/>
+              <a:cs typeface="Courier"/>
+            </a:endParaRPr>
           </a:p>
           <a:p>
             <a:pPr marL="0" indent="0">
@@ -9346,7 +9567,7 @@
 </p:sld>
 </file>
 
-<file path=ppt/slides/slide25.xml><?xml version="1.0" encoding="utf-8"?>
+<file path=ppt/slides/slide26.xml><?xml version="1.0" encoding="utf-8"?>
 <p:sld xmlns:a="http://schemas.openxmlformats.org/drawingml/2006/main" xmlns:r="http://schemas.openxmlformats.org/officeDocument/2006/relationships" xmlns:p="http://schemas.openxmlformats.org/presentationml/2006/main">
   <p:cSld>
     <p:spTree>
@@ -11369,7 +11590,7 @@
 </p:sld>
 </file>
 
-<file path=ppt/slides/slide26.xml><?xml version="1.0" encoding="utf-8"?>
+<file path=ppt/slides/slide27.xml><?xml version="1.0" encoding="utf-8"?>
 <p:sld xmlns:a="http://schemas.openxmlformats.org/drawingml/2006/main" xmlns:r="http://schemas.openxmlformats.org/officeDocument/2006/relationships" xmlns:p="http://schemas.openxmlformats.org/presentationml/2006/main">
   <p:cSld>
     <p:spTree>
@@ -11650,7 +11871,7 @@
 </p:sld>
 </file>
 
-<file path=ppt/slides/slide27.xml><?xml version="1.0" encoding="utf-8"?>
+<file path=ppt/slides/slide28.xml><?xml version="1.0" encoding="utf-8"?>
 <p:sld xmlns:a="http://schemas.openxmlformats.org/drawingml/2006/main" xmlns:r="http://schemas.openxmlformats.org/officeDocument/2006/relationships" xmlns:p="http://schemas.openxmlformats.org/presentationml/2006/main" show="0">
   <p:cSld>
     <p:spTree>
@@ -11813,7 +12034,7 @@
 </p:sld>
 </file>
 
-<file path=ppt/slides/slide28.xml><?xml version="1.0" encoding="utf-8"?>
+<file path=ppt/slides/slide29.xml><?xml version="1.0" encoding="utf-8"?>
 <p:sld xmlns:a="http://schemas.openxmlformats.org/drawingml/2006/main" xmlns:r="http://schemas.openxmlformats.org/officeDocument/2006/relationships" xmlns:p="http://schemas.openxmlformats.org/presentationml/2006/main" show="0">
   <p:cSld>
     <p:spTree>
@@ -11977,7 +12198,13 @@
       </p:grpSpPr>
       <p:sp>
         <p:nvSpPr>
-          <p:cNvPr id="2" name="Title 1"/>
+          <p:cNvPr id="2" name="Title 1">
+            <a:extLst>
+              <a:ext uri="{FF2B5EF4-FFF2-40B4-BE49-F238E27FC236}">
+                <a16:creationId xmlns:a16="http://schemas.microsoft.com/office/drawing/2014/main" id="{4CC4B9EB-828D-6E22-5B22-C261B01B2FA6}"/>
+              </a:ext>
+            </a:extLst>
+          </p:cNvPr>
           <p:cNvSpPr>
             <a:spLocks noGrp="1"/>
           </p:cNvSpPr>
@@ -11987,275 +12214,19 @@
         </p:nvSpPr>
         <p:spPr>
           <a:xfrm>
-            <a:off x="457200" y="121557"/>
-            <a:ext cx="8229600" cy="763814"/>
+            <a:off x="457200" y="1902804"/>
+            <a:ext cx="8229600" cy="579740"/>
           </a:xfrm>
         </p:spPr>
         <p:txBody>
           <a:bodyPr>
-            <a:normAutofit/>
+            <a:noAutofit/>
           </a:bodyPr>
           <a:lstStyle/>
           <a:p>
             <a:r>
-              <a:rPr lang="en-US" sz="3200" dirty="0"/>
-              <a:t>Data and software</a:t>
-            </a:r>
-          </a:p>
-        </p:txBody>
-      </p:sp>
-      <p:sp>
-        <p:nvSpPr>
-          <p:cNvPr id="3" name="Content Placeholder 2"/>
-          <p:cNvSpPr>
-            <a:spLocks noGrp="1"/>
-          </p:cNvSpPr>
-          <p:nvPr>
-            <p:ph idx="1"/>
-          </p:nvPr>
-        </p:nvSpPr>
-        <p:spPr>
-          <a:xfrm>
-            <a:off x="349373" y="885371"/>
-            <a:ext cx="8166019" cy="4136572"/>
-          </a:xfrm>
-        </p:spPr>
-        <p:txBody>
-          <a:bodyPr>
-            <a:normAutofit fontScale="92500"/>
-          </a:bodyPr>
-          <a:lstStyle/>
-          <a:p>
-            <a:pPr marL="0" indent="0">
-              <a:lnSpc>
-                <a:spcPct val="120000"/>
-              </a:lnSpc>
-              <a:buNone/>
-            </a:pPr>
-            <a:r>
-              <a:rPr lang="fr-FR" sz="2800" dirty="0"/>
-              <a:t># download data for </a:t>
-            </a:r>
-            <a:r>
-              <a:rPr lang="fr-FR" sz="2800" dirty="0" err="1"/>
-              <a:t>today's</a:t>
-            </a:r>
-            <a:r>
-              <a:rPr lang="fr-FR" sz="2800" dirty="0"/>
-              <a:t> practice</a:t>
-            </a:r>
-          </a:p>
-          <a:p>
-            <a:pPr marL="0" indent="0">
-              <a:lnSpc>
-                <a:spcPct val="120000"/>
-              </a:lnSpc>
-              <a:buNone/>
-            </a:pPr>
-            <a:r>
-              <a:rPr lang="fr-FR" sz="2800" dirty="0" err="1">
-                <a:latin typeface="Courier New" panose="02070309020205020404" pitchFamily="49" charset="0"/>
-                <a:cs typeface="Courier New" panose="02070309020205020404" pitchFamily="49" charset="0"/>
-              </a:rPr>
-              <a:t>wget</a:t>
-            </a:r>
-            <a:r>
-              <a:rPr lang="fr-FR" sz="2800" dirty="0">
-                <a:latin typeface="Courier New" panose="02070309020205020404" pitchFamily="49" charset="0"/>
-                <a:cs typeface="Courier New" panose="02070309020205020404" pitchFamily="49" charset="0"/>
-              </a:rPr>
-              <a:t> </a:t>
-            </a:r>
-            <a:r>
-              <a:rPr lang="fr-FR" sz="1100" dirty="0">
-                <a:latin typeface="Courier New" panose="02070309020205020404" pitchFamily="49" charset="0"/>
-                <a:cs typeface="Courier New" panose="02070309020205020404" pitchFamily="49" charset="0"/>
-              </a:rPr>
-              <a:t>https://</a:t>
-            </a:r>
-            <a:r>
-              <a:rPr lang="fr-FR" sz="1100" dirty="0" err="1">
-                <a:latin typeface="Courier New" panose="02070309020205020404" pitchFamily="49" charset="0"/>
-                <a:cs typeface="Courier New" panose="02070309020205020404" pitchFamily="49" charset="0"/>
-              </a:rPr>
-              <a:t>people.beocat.ksu.edu</a:t>
-            </a:r>
-            <a:r>
-              <a:rPr lang="fr-FR" sz="1100" dirty="0">
-                <a:latin typeface="Courier New" panose="02070309020205020404" pitchFamily="49" charset="0"/>
-                <a:cs typeface="Courier New" panose="02070309020205020404" pitchFamily="49" charset="0"/>
-              </a:rPr>
-              <a:t>/~liu3zhen/PLPTH813/</a:t>
-            </a:r>
-            <a:r>
-              <a:rPr lang="fr-FR" sz="1100" dirty="0" err="1">
-                <a:latin typeface="Courier New" panose="02070309020205020404" pitchFamily="49" charset="0"/>
-                <a:cs typeface="Courier New" panose="02070309020205020404" pitchFamily="49" charset="0"/>
-              </a:rPr>
-              <a:t>labs</a:t>
-            </a:r>
-            <a:r>
-              <a:rPr lang="fr-FR" sz="1100" dirty="0">
-                <a:latin typeface="Courier New" panose="02070309020205020404" pitchFamily="49" charset="0"/>
-                <a:cs typeface="Courier New" panose="02070309020205020404" pitchFamily="49" charset="0"/>
-              </a:rPr>
-              <a:t>/</a:t>
-            </a:r>
-            <a:r>
-              <a:rPr lang="fr-FR" sz="1100" dirty="0" err="1">
-                <a:latin typeface="Courier New" panose="02070309020205020404" pitchFamily="49" charset="0"/>
-                <a:cs typeface="Courier New" panose="02070309020205020404" pitchFamily="49" charset="0"/>
-              </a:rPr>
-              <a:t>assembly.tar.gz</a:t>
-            </a:r>
-            <a:endParaRPr lang="fr-FR" sz="1100" dirty="0">
-              <a:latin typeface="Courier New" panose="02070309020205020404" pitchFamily="49" charset="0"/>
-              <a:cs typeface="Courier New" panose="02070309020205020404" pitchFamily="49" charset="0"/>
-            </a:endParaRPr>
-          </a:p>
-          <a:p>
-            <a:pPr marL="0" indent="0">
-              <a:lnSpc>
-                <a:spcPct val="120000"/>
-              </a:lnSpc>
-              <a:buNone/>
-            </a:pPr>
-            <a:r>
-              <a:rPr lang="fr-FR" dirty="0">
-                <a:latin typeface="Courier New" panose="02070309020205020404" pitchFamily="49" charset="0"/>
-                <a:cs typeface="Courier New" panose="02070309020205020404" pitchFamily="49" charset="0"/>
-              </a:rPr>
-              <a:t>tar -</a:t>
-            </a:r>
-            <a:r>
-              <a:rPr lang="fr-FR" dirty="0" err="1">
-                <a:latin typeface="Courier New" panose="02070309020205020404" pitchFamily="49" charset="0"/>
-                <a:cs typeface="Courier New" panose="02070309020205020404" pitchFamily="49" charset="0"/>
-              </a:rPr>
-              <a:t>xf</a:t>
-            </a:r>
-            <a:r>
-              <a:rPr lang="fr-FR" dirty="0">
-                <a:latin typeface="Courier New" panose="02070309020205020404" pitchFamily="49" charset="0"/>
-                <a:cs typeface="Courier New" panose="02070309020205020404" pitchFamily="49" charset="0"/>
-              </a:rPr>
-              <a:t> </a:t>
-            </a:r>
-            <a:r>
-              <a:rPr lang="fr-FR" dirty="0" err="1">
-                <a:latin typeface="Courier New" panose="02070309020205020404" pitchFamily="49" charset="0"/>
-                <a:cs typeface="Courier New" panose="02070309020205020404" pitchFamily="49" charset="0"/>
-              </a:rPr>
-              <a:t>assembly.tar.gz</a:t>
-            </a:r>
-            <a:endParaRPr lang="fr-FR" dirty="0">
-              <a:latin typeface="Courier New" panose="02070309020205020404" pitchFamily="49" charset="0"/>
-              <a:cs typeface="Courier New" panose="02070309020205020404" pitchFamily="49" charset="0"/>
-            </a:endParaRPr>
-          </a:p>
-          <a:p>
-            <a:pPr marL="0" indent="0">
-              <a:lnSpc>
-                <a:spcPct val="120000"/>
-              </a:lnSpc>
-              <a:buNone/>
-            </a:pPr>
-            <a:r>
-              <a:rPr lang="fr-FR" sz="2200" dirty="0" err="1">
-                <a:latin typeface="Courier"/>
-                <a:cs typeface="Courier"/>
-              </a:rPr>
-              <a:t>assembly</a:t>
-            </a:r>
-            <a:r>
-              <a:rPr lang="fr-FR" sz="2200" dirty="0">
-                <a:latin typeface="Courier"/>
-                <a:cs typeface="Courier"/>
-              </a:rPr>
-              <a:t>/</a:t>
-            </a:r>
-          </a:p>
-          <a:p>
-            <a:pPr marL="0" indent="0">
-              <a:lnSpc>
-                <a:spcPct val="120000"/>
-              </a:lnSpc>
-              <a:buNone/>
-            </a:pPr>
-            <a:r>
-              <a:rPr lang="fr-FR" sz="2200" dirty="0">
-                <a:latin typeface="Courier"/>
-                <a:cs typeface="Courier"/>
-              </a:rPr>
-              <a:t>├── data</a:t>
-            </a:r>
-          </a:p>
-          <a:p>
-            <a:pPr marL="0" indent="0">
-              <a:lnSpc>
-                <a:spcPct val="120000"/>
-              </a:lnSpc>
-              <a:buNone/>
-            </a:pPr>
-            <a:r>
-              <a:rPr lang="fr-FR" sz="2200" dirty="0">
-                <a:latin typeface="Courier"/>
-                <a:cs typeface="Courier"/>
-              </a:rPr>
-              <a:t>├── soapdn01</a:t>
-            </a:r>
-          </a:p>
-          <a:p>
-            <a:pPr marL="0" indent="0">
-              <a:lnSpc>
-                <a:spcPct val="120000"/>
-              </a:lnSpc>
-              <a:buNone/>
-            </a:pPr>
-            <a:r>
-              <a:rPr lang="fr-FR" sz="2200" dirty="0">
-                <a:latin typeface="Courier"/>
-                <a:cs typeface="Courier"/>
-              </a:rPr>
-              <a:t>├── </a:t>
-            </a:r>
-            <a:r>
-              <a:rPr lang="fr-FR" sz="2200" dirty="0" err="1">
-                <a:latin typeface="Courier"/>
-                <a:cs typeface="Courier"/>
-              </a:rPr>
-              <a:t>canu</a:t>
-            </a:r>
-            <a:endParaRPr lang="fr-FR" sz="2200" dirty="0">
-              <a:latin typeface="Courier"/>
-              <a:cs typeface="Courier"/>
-            </a:endParaRPr>
-          </a:p>
-          <a:p>
-            <a:pPr marL="0" indent="0">
-              <a:lnSpc>
-                <a:spcPct val="120000"/>
-              </a:lnSpc>
-              <a:buNone/>
-            </a:pPr>
-            <a:r>
-              <a:rPr lang="fr-FR" sz="2200" dirty="0">
-                <a:latin typeface="Courier"/>
-                <a:cs typeface="Courier"/>
-              </a:rPr>
-              <a:t>├── pilon</a:t>
-            </a:r>
-          </a:p>
-          <a:p>
-            <a:pPr marL="0" indent="0">
-              <a:buNone/>
-            </a:pPr>
-            <a:r>
-              <a:rPr lang="fr-FR" sz="2200" dirty="0">
-                <a:latin typeface="Courier"/>
-                <a:cs typeface="Courier"/>
-              </a:rPr>
-              <a:t>└── software</a:t>
+              <a:rPr lang="en-US" sz="4000" dirty="0"/>
+              <a:t>lab12</a:t>
             </a:r>
           </a:p>
         </p:txBody>
@@ -12263,7 +12234,7 @@
     </p:spTree>
     <p:extLst>
       <p:ext uri="{BB962C8B-B14F-4D97-AF65-F5344CB8AC3E}">
-        <p14:creationId xmlns:p14="http://schemas.microsoft.com/office/powerpoint/2010/main" val="4145325655"/>
+        <p14:creationId xmlns:p14="http://schemas.microsoft.com/office/powerpoint/2010/main" val="1904029694"/>
       </p:ext>
     </p:extLst>
   </p:cSld>
@@ -12302,19 +12273,19 @@
         </p:nvSpPr>
         <p:spPr>
           <a:xfrm>
-            <a:off x="457200" y="449943"/>
-            <a:ext cx="8229600" cy="624114"/>
+            <a:off x="457200" y="121557"/>
+            <a:ext cx="8229600" cy="763814"/>
           </a:xfrm>
         </p:spPr>
         <p:txBody>
           <a:bodyPr>
-            <a:noAutofit/>
+            <a:normAutofit/>
           </a:bodyPr>
           <a:lstStyle/>
           <a:p>
             <a:r>
               <a:rPr lang="en-US" sz="3200" dirty="0"/>
-              <a:t>Illumina reads</a:t>
+              <a:t>Data and software</a:t>
             </a:r>
           </a:p>
         </p:txBody>
@@ -12331,39 +12302,246 @@
         </p:nvSpPr>
         <p:spPr>
           <a:xfrm>
-            <a:off x="1669145" y="1857829"/>
-            <a:ext cx="6200503" cy="1253128"/>
+            <a:off x="349373" y="885371"/>
+            <a:ext cx="8166019" cy="4136572"/>
           </a:xfrm>
         </p:spPr>
         <p:txBody>
           <a:bodyPr>
-            <a:normAutofit/>
+            <a:normAutofit fontScale="92500"/>
           </a:bodyPr>
           <a:lstStyle/>
           <a:p>
-            <a:pPr>
-              <a:buFont typeface="+mj-lt"/>
-              <a:buAutoNum type="arabicPeriod"/>
+            <a:pPr marL="0" indent="0">
+              <a:lnSpc>
+                <a:spcPct val="120000"/>
+              </a:lnSpc>
+              <a:buNone/>
             </a:pPr>
             <a:r>
-              <a:rPr lang="en-US" sz="3200" dirty="0">
-                <a:latin typeface="Arial" panose="020B0604020202020204" pitchFamily="34" charset="0"/>
-                <a:cs typeface="Arial" panose="020B0604020202020204" pitchFamily="34" charset="0"/>
-              </a:rPr>
-              <a:t>MG1655_1.5M_R1.fastq.gz</a:t>
-            </a:r>
-          </a:p>
-          <a:p>
-            <a:pPr>
-              <a:buFont typeface="+mj-lt"/>
-              <a:buAutoNum type="arabicPeriod"/>
+              <a:rPr lang="fr-FR" sz="2800" dirty="0"/>
+              <a:t># download data for </a:t>
+            </a:r>
+            <a:r>
+              <a:rPr lang="fr-FR" sz="2800" dirty="0" err="1"/>
+              <a:t>today's</a:t>
+            </a:r>
+            <a:r>
+              <a:rPr lang="fr-FR" sz="2800" dirty="0"/>
+              <a:t> practice</a:t>
+            </a:r>
+          </a:p>
+          <a:p>
+            <a:pPr marL="0" indent="0">
+              <a:lnSpc>
+                <a:spcPct val="120000"/>
+              </a:lnSpc>
+              <a:buNone/>
             </a:pPr>
             <a:r>
-              <a:rPr lang="en-US" sz="3200" dirty="0">
-                <a:latin typeface="Arial" panose="020B0604020202020204" pitchFamily="34" charset="0"/>
-                <a:cs typeface="Arial" panose="020B0604020202020204" pitchFamily="34" charset="0"/>
-              </a:rPr>
-              <a:t>MG1655_1.5M_R2.fastq.gz</a:t>
+              <a:rPr lang="fr-FR" sz="2800" dirty="0" err="1">
+                <a:latin typeface="Courier New" panose="02070309020205020404" pitchFamily="49" charset="0"/>
+                <a:cs typeface="Courier New" panose="02070309020205020404" pitchFamily="49" charset="0"/>
+              </a:rPr>
+              <a:t>wget</a:t>
+            </a:r>
+            <a:r>
+              <a:rPr lang="fr-FR" sz="2800" dirty="0">
+                <a:latin typeface="Courier New" panose="02070309020205020404" pitchFamily="49" charset="0"/>
+                <a:cs typeface="Courier New" panose="02070309020205020404" pitchFamily="49" charset="0"/>
+              </a:rPr>
+              <a:t> </a:t>
+            </a:r>
+            <a:r>
+              <a:rPr lang="fr-FR" sz="1100" dirty="0">
+                <a:latin typeface="Courier New" panose="02070309020205020404" pitchFamily="49" charset="0"/>
+                <a:cs typeface="Courier New" panose="02070309020205020404" pitchFamily="49" charset="0"/>
+              </a:rPr>
+              <a:t>https://</a:t>
+            </a:r>
+            <a:r>
+              <a:rPr lang="fr-FR" sz="1100" dirty="0" err="1">
+                <a:latin typeface="Courier New" panose="02070309020205020404" pitchFamily="49" charset="0"/>
+                <a:cs typeface="Courier New" panose="02070309020205020404" pitchFamily="49" charset="0"/>
+              </a:rPr>
+              <a:t>people.beocat.ksu.edu</a:t>
+            </a:r>
+            <a:r>
+              <a:rPr lang="fr-FR" sz="1100" dirty="0">
+                <a:latin typeface="Courier New" panose="02070309020205020404" pitchFamily="49" charset="0"/>
+                <a:cs typeface="Courier New" panose="02070309020205020404" pitchFamily="49" charset="0"/>
+              </a:rPr>
+              <a:t>/~liu3zhen/PLPTH813/</a:t>
+            </a:r>
+            <a:r>
+              <a:rPr lang="fr-FR" sz="1100" dirty="0" err="1">
+                <a:latin typeface="Courier New" panose="02070309020205020404" pitchFamily="49" charset="0"/>
+                <a:cs typeface="Courier New" panose="02070309020205020404" pitchFamily="49" charset="0"/>
+              </a:rPr>
+              <a:t>labs</a:t>
+            </a:r>
+            <a:r>
+              <a:rPr lang="fr-FR" sz="1100" dirty="0">
+                <a:latin typeface="Courier New" panose="02070309020205020404" pitchFamily="49" charset="0"/>
+                <a:cs typeface="Courier New" panose="02070309020205020404" pitchFamily="49" charset="0"/>
+              </a:rPr>
+              <a:t>/</a:t>
+            </a:r>
+            <a:r>
+              <a:rPr lang="fr-FR" sz="1100" dirty="0" err="1">
+                <a:latin typeface="Courier New" panose="02070309020205020404" pitchFamily="49" charset="0"/>
+                <a:cs typeface="Courier New" panose="02070309020205020404" pitchFamily="49" charset="0"/>
+              </a:rPr>
+              <a:t>assembly.tar.gz</a:t>
+            </a:r>
+            <a:endParaRPr lang="fr-FR" sz="1100" dirty="0">
+              <a:latin typeface="Courier New" panose="02070309020205020404" pitchFamily="49" charset="0"/>
+              <a:cs typeface="Courier New" panose="02070309020205020404" pitchFamily="49" charset="0"/>
+            </a:endParaRPr>
+          </a:p>
+          <a:p>
+            <a:pPr marL="0" indent="0">
+              <a:lnSpc>
+                <a:spcPct val="120000"/>
+              </a:lnSpc>
+              <a:buNone/>
+            </a:pPr>
+            <a:r>
+              <a:rPr lang="fr-FR" dirty="0">
+                <a:latin typeface="Courier New" panose="02070309020205020404" pitchFamily="49" charset="0"/>
+                <a:cs typeface="Courier New" panose="02070309020205020404" pitchFamily="49" charset="0"/>
+              </a:rPr>
+              <a:t>tar -</a:t>
+            </a:r>
+            <a:r>
+              <a:rPr lang="fr-FR" dirty="0" err="1">
+                <a:latin typeface="Courier New" panose="02070309020205020404" pitchFamily="49" charset="0"/>
+                <a:cs typeface="Courier New" panose="02070309020205020404" pitchFamily="49" charset="0"/>
+              </a:rPr>
+              <a:t>xf</a:t>
+            </a:r>
+            <a:r>
+              <a:rPr lang="fr-FR" dirty="0">
+                <a:latin typeface="Courier New" panose="02070309020205020404" pitchFamily="49" charset="0"/>
+                <a:cs typeface="Courier New" panose="02070309020205020404" pitchFamily="49" charset="0"/>
+              </a:rPr>
+              <a:t> </a:t>
+            </a:r>
+            <a:r>
+              <a:rPr lang="fr-FR" dirty="0" err="1">
+                <a:latin typeface="Courier New" panose="02070309020205020404" pitchFamily="49" charset="0"/>
+                <a:cs typeface="Courier New" panose="02070309020205020404" pitchFamily="49" charset="0"/>
+              </a:rPr>
+              <a:t>assembly.tar.gz</a:t>
+            </a:r>
+            <a:endParaRPr lang="fr-FR" dirty="0">
+              <a:latin typeface="Courier New" panose="02070309020205020404" pitchFamily="49" charset="0"/>
+              <a:cs typeface="Courier New" panose="02070309020205020404" pitchFamily="49" charset="0"/>
+            </a:endParaRPr>
+          </a:p>
+          <a:p>
+            <a:pPr marL="0" indent="0">
+              <a:lnSpc>
+                <a:spcPct val="120000"/>
+              </a:lnSpc>
+              <a:buNone/>
+            </a:pPr>
+            <a:r>
+              <a:rPr lang="fr-FR" sz="2200" dirty="0" err="1">
+                <a:latin typeface="Courier"/>
+                <a:cs typeface="Courier"/>
+              </a:rPr>
+              <a:t>assembly</a:t>
+            </a:r>
+            <a:r>
+              <a:rPr lang="fr-FR" sz="2200" dirty="0">
+                <a:latin typeface="Courier"/>
+                <a:cs typeface="Courier"/>
+              </a:rPr>
+              <a:t>/</a:t>
+            </a:r>
+          </a:p>
+          <a:p>
+            <a:pPr marL="0" indent="0">
+              <a:lnSpc>
+                <a:spcPct val="120000"/>
+              </a:lnSpc>
+              <a:buNone/>
+            </a:pPr>
+            <a:r>
+              <a:rPr lang="fr-FR" sz="2200" dirty="0">
+                <a:latin typeface="Courier"/>
+                <a:cs typeface="Courier"/>
+              </a:rPr>
+              <a:t>├── data</a:t>
+            </a:r>
+          </a:p>
+          <a:p>
+            <a:pPr marL="0" indent="0">
+              <a:lnSpc>
+                <a:spcPct val="120000"/>
+              </a:lnSpc>
+              <a:buNone/>
+            </a:pPr>
+            <a:r>
+              <a:rPr lang="fr-FR" sz="2200" dirty="0">
+                <a:latin typeface="Courier"/>
+                <a:cs typeface="Courier"/>
+              </a:rPr>
+              <a:t>├── soapdn01</a:t>
+            </a:r>
+          </a:p>
+          <a:p>
+            <a:pPr marL="0" indent="0">
+              <a:lnSpc>
+                <a:spcPct val="120000"/>
+              </a:lnSpc>
+              <a:buNone/>
+            </a:pPr>
+            <a:r>
+              <a:rPr lang="fr-FR" sz="2200" dirty="0">
+                <a:latin typeface="Courier"/>
+                <a:cs typeface="Courier"/>
+              </a:rPr>
+              <a:t>├── </a:t>
+            </a:r>
+            <a:r>
+              <a:rPr lang="fr-FR" sz="2200" dirty="0" err="1">
+                <a:latin typeface="Courier"/>
+                <a:cs typeface="Courier"/>
+              </a:rPr>
+              <a:t>canu</a:t>
+            </a:r>
+            <a:endParaRPr lang="fr-FR" sz="2200" dirty="0">
+              <a:latin typeface="Courier"/>
+              <a:cs typeface="Courier"/>
+            </a:endParaRPr>
+          </a:p>
+          <a:p>
+            <a:pPr marL="0" indent="0">
+              <a:lnSpc>
+                <a:spcPct val="120000"/>
+              </a:lnSpc>
+              <a:buNone/>
+            </a:pPr>
+            <a:r>
+              <a:rPr lang="fr-FR" sz="2200" dirty="0">
+                <a:latin typeface="Courier"/>
+                <a:cs typeface="Courier"/>
+              </a:rPr>
+              <a:t>├── pilon</a:t>
+            </a:r>
+          </a:p>
+          <a:p>
+            <a:pPr marL="0" indent="0">
+              <a:buNone/>
+            </a:pPr>
+            <a:r>
+              <a:rPr lang="fr-FR" sz="2200" dirty="0">
+                <a:latin typeface="Courier"/>
+                <a:cs typeface="Courier"/>
+              </a:rPr>
+              <a:t>└── software</a:t>
             </a:r>
           </a:p>
         </p:txBody>
@@ -12371,7 +12549,7 @@
     </p:spTree>
     <p:extLst>
       <p:ext uri="{BB962C8B-B14F-4D97-AF65-F5344CB8AC3E}">
-        <p14:creationId xmlns:p14="http://schemas.microsoft.com/office/powerpoint/2010/main" val="2000764796"/>
+        <p14:creationId xmlns:p14="http://schemas.microsoft.com/office/powerpoint/2010/main" val="4145325655"/>
       </p:ext>
     </p:extLst>
   </p:cSld>
@@ -12400,7 +12578,7 @@
       </p:grpSpPr>
       <p:sp>
         <p:nvSpPr>
-          <p:cNvPr id="3" name="Title 2"/>
+          <p:cNvPr id="2" name="Title 1"/>
           <p:cNvSpPr>
             <a:spLocks noGrp="1"/>
           </p:cNvSpPr>
@@ -12410,116 +12588,68 @@
         </p:nvSpPr>
         <p:spPr>
           <a:xfrm>
-            <a:off x="426167" y="157617"/>
-            <a:ext cx="8229600" cy="649974"/>
+            <a:off x="457200" y="449943"/>
+            <a:ext cx="8229600" cy="624114"/>
           </a:xfrm>
         </p:spPr>
         <p:txBody>
-          <a:bodyPr/>
+          <a:bodyPr>
+            <a:noAutofit/>
+          </a:bodyPr>
           <a:lstStyle/>
           <a:p>
             <a:r>
-              <a:rPr lang="en-US" dirty="0"/>
-              <a:t>SOAPdenovo2</a:t>
+              <a:rPr lang="en-US" sz="3200" dirty="0"/>
+              <a:t>Illumina reads</a:t>
             </a:r>
           </a:p>
         </p:txBody>
       </p:sp>
       <p:sp>
         <p:nvSpPr>
-          <p:cNvPr id="4" name="TextBox 3"/>
-          <p:cNvSpPr txBox="1"/>
-          <p:nvPr/>
+          <p:cNvPr id="3" name="Content Placeholder 2"/>
+          <p:cNvSpPr>
+            <a:spLocks noGrp="1"/>
+          </p:cNvSpPr>
+          <p:nvPr>
+            <p:ph idx="1"/>
+          </p:nvPr>
         </p:nvSpPr>
         <p:spPr>
           <a:xfrm>
-            <a:off x="426167" y="1016195"/>
-            <a:ext cx="8717833" cy="3785652"/>
+            <a:off x="1669145" y="1857829"/>
+            <a:ext cx="6200503" cy="1253128"/>
           </a:xfrm>
-          <a:prstGeom prst="rect">
-            <a:avLst/>
-          </a:prstGeom>
-          <a:noFill/>
         </p:spPr>
         <p:txBody>
-          <a:bodyPr wrap="square" rtlCol="0">
-            <a:spAutoFit/>
+          <a:bodyPr>
+            <a:normAutofit/>
           </a:bodyPr>
           <a:lstStyle/>
           <a:p>
-            <a:pPr marL="342900" indent="-342900">
+            <a:pPr>
               <a:buFont typeface="+mj-lt"/>
               <a:buAutoNum type="arabicPeriod"/>
             </a:pPr>
             <a:r>
-              <a:rPr lang="en-US" sz="2400" dirty="0"/>
-              <a:t>De Bruijn graph assembler</a:t>
-            </a:r>
-          </a:p>
-          <a:p>
-            <a:pPr marL="342900" indent="-342900">
+              <a:rPr lang="en-US" sz="3200" dirty="0">
+                <a:latin typeface="Arial" panose="020B0604020202020204" pitchFamily="34" charset="0"/>
+                <a:cs typeface="Arial" panose="020B0604020202020204" pitchFamily="34" charset="0"/>
+              </a:rPr>
+              <a:t>MG1655_1.5M_R1.fastq.gz</a:t>
+            </a:r>
+          </a:p>
+          <a:p>
+            <a:pPr>
               <a:buFont typeface="+mj-lt"/>
               <a:buAutoNum type="arabicPeriod"/>
             </a:pPr>
             <a:r>
-              <a:rPr lang="en-US" sz="2400" b="1" dirty="0" err="1">
-                <a:solidFill>
-                  <a:srgbClr val="17375E"/>
-                </a:solidFill>
-              </a:rPr>
-              <a:t>SOAPdenovo</a:t>
-            </a:r>
-            <a:r>
-              <a:rPr lang="en-US" sz="2400" dirty="0"/>
-              <a:t> is a novel short-read assembler that can build a </a:t>
-            </a:r>
-            <a:r>
-              <a:rPr lang="en-US" sz="2400" i="1" dirty="0"/>
-              <a:t>de novo </a:t>
-            </a:r>
-            <a:r>
-              <a:rPr lang="en-US" sz="2400" dirty="0"/>
-              <a:t>draft assembly for the human-sized genomes. </a:t>
-            </a:r>
-          </a:p>
-          <a:p>
-            <a:pPr marL="342900" indent="-342900">
-              <a:buFont typeface="+mj-lt"/>
-              <a:buAutoNum type="arabicPeriod"/>
-            </a:pPr>
-            <a:r>
-              <a:rPr lang="en-US" sz="2400" b="1" dirty="0">
-                <a:solidFill>
-                  <a:srgbClr val="17375E"/>
-                </a:solidFill>
-              </a:rPr>
-              <a:t>SOAPdenovo2</a:t>
-            </a:r>
-            <a:r>
-              <a:rPr lang="en-US" sz="2400" dirty="0"/>
-              <a:t> uses a new algorithm design that reduces memory consumption in graph construction, resolves more repeat regions in contig assembly, increases coverage and length in scaffold construction, improves gap closing, and optimizes for large genome.</a:t>
-            </a:r>
-          </a:p>
-          <a:p>
-            <a:pPr marL="342900" indent="-342900">
-              <a:buFont typeface="+mj-lt"/>
-              <a:buAutoNum type="arabicPeriod"/>
-            </a:pPr>
-            <a:r>
-              <a:rPr lang="en-US" sz="2400" dirty="0"/>
-              <a:t>Two modules in SOAPdenovo2: </a:t>
-            </a:r>
-            <a:r>
-              <a:rPr lang="en-US" sz="2400" i="1" dirty="0"/>
-              <a:t>SOAPdenovo-63mer</a:t>
-            </a:r>
-            <a:r>
-              <a:rPr lang="en-US" sz="2400" dirty="0"/>
-              <a:t> and </a:t>
-            </a:r>
-            <a:r>
-              <a:rPr lang="en-US" sz="2400" i="1" dirty="0"/>
-              <a:t>SOAPdenovo-127mer</a:t>
+              <a:rPr lang="en-US" sz="3200" dirty="0">
+                <a:latin typeface="Arial" panose="020B0604020202020204" pitchFamily="34" charset="0"/>
+                <a:cs typeface="Arial" panose="020B0604020202020204" pitchFamily="34" charset="0"/>
+              </a:rPr>
+              <a:t>MG1655_1.5M_R2.fastq.gz</a:t>
             </a:r>
           </a:p>
         </p:txBody>
@@ -12527,7 +12657,7 @@
     </p:spTree>
     <p:extLst>
       <p:ext uri="{BB962C8B-B14F-4D97-AF65-F5344CB8AC3E}">
-        <p14:creationId xmlns:p14="http://schemas.microsoft.com/office/powerpoint/2010/main" val="805815598"/>
+        <p14:creationId xmlns:p14="http://schemas.microsoft.com/office/powerpoint/2010/main" val="2000764796"/>
       </p:ext>
     </p:extLst>
   </p:cSld>
@@ -12556,7 +12686,7 @@
       </p:grpSpPr>
       <p:sp>
         <p:nvSpPr>
-          <p:cNvPr id="2" name="Title 1"/>
+          <p:cNvPr id="3" name="Title 2"/>
           <p:cNvSpPr>
             <a:spLocks noGrp="1"/>
           </p:cNvSpPr>
@@ -12566,77 +12696,124 @@
         </p:nvSpPr>
         <p:spPr>
           <a:xfrm>
-            <a:off x="457200" y="261257"/>
-            <a:ext cx="8229600" cy="1299168"/>
+            <a:off x="426167" y="157617"/>
+            <a:ext cx="8229600" cy="649974"/>
           </a:xfrm>
         </p:spPr>
         <p:txBody>
-          <a:bodyPr>
-            <a:noAutofit/>
+          <a:bodyPr/>
+          <a:lstStyle/>
+          <a:p>
+            <a:r>
+              <a:rPr lang="en-US" dirty="0"/>
+              <a:t>SOAPdenovo2</a:t>
+            </a:r>
+          </a:p>
+        </p:txBody>
+      </p:sp>
+      <p:sp>
+        <p:nvSpPr>
+          <p:cNvPr id="4" name="TextBox 3"/>
+          <p:cNvSpPr txBox="1"/>
+          <p:nvPr/>
+        </p:nvSpPr>
+        <p:spPr>
+          <a:xfrm>
+            <a:off x="426167" y="1016195"/>
+            <a:ext cx="8717833" cy="3785652"/>
+          </a:xfrm>
+          <a:prstGeom prst="rect">
+            <a:avLst/>
+          </a:prstGeom>
+          <a:noFill/>
+        </p:spPr>
+        <p:txBody>
+          <a:bodyPr wrap="square" rtlCol="0">
+            <a:spAutoFit/>
           </a:bodyPr>
           <a:lstStyle/>
           <a:p>
-            <a:r>
-              <a:rPr lang="en-US" sz="3200" dirty="0"/>
-              <a:t>working directory</a:t>
-            </a:r>
-            <a:br>
-              <a:rPr lang="en-US" sz="3200" dirty="0"/>
-            </a:br>
-            <a:r>
-              <a:rPr lang="en-US" sz="3200" dirty="0"/>
-              <a:t>- </a:t>
-            </a:r>
-            <a:r>
-              <a:rPr lang="en-US" sz="3200" dirty="0" err="1"/>
+            <a:pPr marL="342900" indent="-342900">
+              <a:buFont typeface="+mj-lt"/>
+              <a:buAutoNum type="arabicPeriod"/>
+            </a:pPr>
+            <a:r>
+              <a:rPr lang="en-US" sz="2400" dirty="0"/>
+              <a:t>De Bruijn graph assembler</a:t>
+            </a:r>
+          </a:p>
+          <a:p>
+            <a:pPr marL="342900" indent="-342900">
+              <a:buFont typeface="+mj-lt"/>
+              <a:buAutoNum type="arabicPeriod"/>
+            </a:pPr>
+            <a:r>
+              <a:rPr lang="en-US" sz="2400" b="1" dirty="0" err="1">
+                <a:solidFill>
+                  <a:srgbClr val="17375E"/>
+                </a:solidFill>
+              </a:rPr>
               <a:t>SOAPdenovo</a:t>
             </a:r>
             <a:r>
-              <a:rPr lang="en-US" sz="3200" dirty="0"/>
-              <a:t> assembly</a:t>
-            </a:r>
-          </a:p>
-        </p:txBody>
-      </p:sp>
-      <p:sp>
-        <p:nvSpPr>
-          <p:cNvPr id="3" name="Content Placeholder 2"/>
-          <p:cNvSpPr>
-            <a:spLocks noGrp="1"/>
-          </p:cNvSpPr>
-          <p:nvPr>
-            <p:ph idx="1"/>
-          </p:nvPr>
-        </p:nvSpPr>
-        <p:spPr>
-          <a:xfrm>
-            <a:off x="457200" y="2051680"/>
-            <a:ext cx="8229600" cy="1615826"/>
-          </a:xfrm>
-        </p:spPr>
-        <p:txBody>
-          <a:bodyPr>
-            <a:normAutofit/>
-          </a:bodyPr>
-          <a:lstStyle/>
-          <a:p>
-            <a:pPr marL="0" indent="0" algn="ctr">
-              <a:buNone/>
+              <a:rPr lang="en-US" sz="2400" dirty="0"/>
+              <a:t> is a novel short-read assembler that can build a </a:t>
+            </a:r>
+            <a:r>
+              <a:rPr lang="en-US" sz="2400" i="1" dirty="0"/>
+              <a:t>de novo </a:t>
+            </a:r>
+            <a:r>
+              <a:rPr lang="en-US" sz="2400" dirty="0"/>
+              <a:t>draft assembly for the human-sized genomes. </a:t>
+            </a:r>
+          </a:p>
+          <a:p>
+            <a:pPr marL="342900" indent="-342900">
+              <a:buFont typeface="+mj-lt"/>
+              <a:buAutoNum type="arabicPeriod"/>
             </a:pPr>
             <a:r>
-              <a:rPr lang="en-US" sz="9600" dirty="0">
-                <a:latin typeface="+mj-lt"/>
-              </a:rPr>
-              <a:t>soapdn01</a:t>
-            </a:r>
-            <a:endParaRPr lang="en-US" sz="9600" dirty="0"/>
+              <a:rPr lang="en-US" sz="2400" b="1" dirty="0">
+                <a:solidFill>
+                  <a:srgbClr val="17375E"/>
+                </a:solidFill>
+              </a:rPr>
+              <a:t>SOAPdenovo2</a:t>
+            </a:r>
+            <a:r>
+              <a:rPr lang="en-US" sz="2400" dirty="0"/>
+              <a:t> uses a new algorithm design that reduces memory consumption in graph construction, resolves more repeat regions in contig assembly, increases coverage and length in scaffold construction, improves gap closing, and optimizes for large genome.</a:t>
+            </a:r>
+          </a:p>
+          <a:p>
+            <a:pPr marL="342900" indent="-342900">
+              <a:buFont typeface="+mj-lt"/>
+              <a:buAutoNum type="arabicPeriod"/>
+            </a:pPr>
+            <a:r>
+              <a:rPr lang="en-US" sz="2400" dirty="0"/>
+              <a:t>Two modules in SOAPdenovo2: </a:t>
+            </a:r>
+            <a:r>
+              <a:rPr lang="en-US" sz="2400" i="1" dirty="0"/>
+              <a:t>SOAPdenovo-63mer</a:t>
+            </a:r>
+            <a:r>
+              <a:rPr lang="en-US" sz="2400" dirty="0"/>
+              <a:t> and </a:t>
+            </a:r>
+            <a:r>
+              <a:rPr lang="en-US" sz="2400" i="1" dirty="0"/>
+              <a:t>SOAPdenovo-127mer</a:t>
+            </a:r>
           </a:p>
         </p:txBody>
       </p:sp>
     </p:spTree>
     <p:extLst>
       <p:ext uri="{BB962C8B-B14F-4D97-AF65-F5344CB8AC3E}">
-        <p14:creationId xmlns:p14="http://schemas.microsoft.com/office/powerpoint/2010/main" val="3254559001"/>
+        <p14:creationId xmlns:p14="http://schemas.microsoft.com/office/powerpoint/2010/main" val="805815598"/>
       </p:ext>
     </p:extLst>
   </p:cSld>
@@ -12675,6 +12852,115 @@
         </p:nvSpPr>
         <p:spPr>
           <a:xfrm>
+            <a:off x="457200" y="261257"/>
+            <a:ext cx="8229600" cy="1299168"/>
+          </a:xfrm>
+        </p:spPr>
+        <p:txBody>
+          <a:bodyPr>
+            <a:noAutofit/>
+          </a:bodyPr>
+          <a:lstStyle/>
+          <a:p>
+            <a:r>
+              <a:rPr lang="en-US" sz="3200" dirty="0"/>
+              <a:t>working directory</a:t>
+            </a:r>
+            <a:br>
+              <a:rPr lang="en-US" sz="3200" dirty="0"/>
+            </a:br>
+            <a:r>
+              <a:rPr lang="en-US" sz="3200" dirty="0"/>
+              <a:t>- </a:t>
+            </a:r>
+            <a:r>
+              <a:rPr lang="en-US" sz="3200" dirty="0" err="1"/>
+              <a:t>SOAPdenovo</a:t>
+            </a:r>
+            <a:r>
+              <a:rPr lang="en-US" sz="3200" dirty="0"/>
+              <a:t> assembly</a:t>
+            </a:r>
+          </a:p>
+        </p:txBody>
+      </p:sp>
+      <p:sp>
+        <p:nvSpPr>
+          <p:cNvPr id="3" name="Content Placeholder 2"/>
+          <p:cNvSpPr>
+            <a:spLocks noGrp="1"/>
+          </p:cNvSpPr>
+          <p:nvPr>
+            <p:ph idx="1"/>
+          </p:nvPr>
+        </p:nvSpPr>
+        <p:spPr>
+          <a:xfrm>
+            <a:off x="457200" y="2051680"/>
+            <a:ext cx="8229600" cy="1615826"/>
+          </a:xfrm>
+        </p:spPr>
+        <p:txBody>
+          <a:bodyPr>
+            <a:normAutofit/>
+          </a:bodyPr>
+          <a:lstStyle/>
+          <a:p>
+            <a:pPr marL="0" indent="0" algn="ctr">
+              <a:buNone/>
+            </a:pPr>
+            <a:r>
+              <a:rPr lang="en-US" sz="9600" dirty="0">
+                <a:latin typeface="+mj-lt"/>
+              </a:rPr>
+              <a:t>soapdn01</a:t>
+            </a:r>
+            <a:endParaRPr lang="en-US" sz="9600" dirty="0"/>
+          </a:p>
+        </p:txBody>
+      </p:sp>
+    </p:spTree>
+    <p:extLst>
+      <p:ext uri="{BB962C8B-B14F-4D97-AF65-F5344CB8AC3E}">
+        <p14:creationId xmlns:p14="http://schemas.microsoft.com/office/powerpoint/2010/main" val="3254559001"/>
+      </p:ext>
+    </p:extLst>
+  </p:cSld>
+  <p:clrMapOvr>
+    <a:masterClrMapping/>
+  </p:clrMapOvr>
+</p:sld>
+</file>
+
+<file path=ppt/slides/slide8.xml><?xml version="1.0" encoding="utf-8"?>
+<p:sld xmlns:a="http://schemas.openxmlformats.org/drawingml/2006/main" xmlns:r="http://schemas.openxmlformats.org/officeDocument/2006/relationships" xmlns:p="http://schemas.openxmlformats.org/presentationml/2006/main">
+  <p:cSld>
+    <p:spTree>
+      <p:nvGrpSpPr>
+        <p:cNvPr id="1" name=""/>
+        <p:cNvGrpSpPr/>
+        <p:nvPr/>
+      </p:nvGrpSpPr>
+      <p:grpSpPr>
+        <a:xfrm>
+          <a:off x="0" y="0"/>
+          <a:ext cx="0" cy="0"/>
+          <a:chOff x="0" y="0"/>
+          <a:chExt cx="0" cy="0"/>
+        </a:xfrm>
+      </p:grpSpPr>
+      <p:sp>
+        <p:nvSpPr>
+          <p:cNvPr id="2" name="Title 1"/>
+          <p:cNvSpPr>
+            <a:spLocks noGrp="1"/>
+          </p:cNvSpPr>
+          <p:nvPr>
+            <p:ph type="title"/>
+          </p:nvPr>
+        </p:nvSpPr>
+        <p:spPr>
+          <a:xfrm>
             <a:off x="457200" y="163346"/>
             <a:ext cx="8229600" cy="961891"/>
           </a:xfrm>
@@ -13594,7 +13880,7 @@
 </p:sld>
 </file>
 
-<file path=ppt/slides/slide8.xml><?xml version="1.0" encoding="utf-8"?>
+<file path=ppt/slides/slide9.xml><?xml version="1.0" encoding="utf-8"?>
 <p:sld xmlns:a="http://schemas.openxmlformats.org/drawingml/2006/main" xmlns:r="http://schemas.openxmlformats.org/officeDocument/2006/relationships" xmlns:p="http://schemas.openxmlformats.org/presentationml/2006/main">
   <p:cSld>
     <p:spTree>
@@ -14101,204 +14387,6 @@
       <p:bldP spid="8" grpId="0"/>
     </p:bldLst>
   </p:timing>
-</p:sld>
-</file>
-
-<file path=ppt/slides/slide9.xml><?xml version="1.0" encoding="utf-8"?>
-<p:sld xmlns:a="http://schemas.openxmlformats.org/drawingml/2006/main" xmlns:r="http://schemas.openxmlformats.org/officeDocument/2006/relationships" xmlns:p="http://schemas.openxmlformats.org/presentationml/2006/main">
-  <p:cSld>
-    <p:spTree>
-      <p:nvGrpSpPr>
-        <p:cNvPr id="1" name=""/>
-        <p:cNvGrpSpPr/>
-        <p:nvPr/>
-      </p:nvGrpSpPr>
-      <p:grpSpPr>
-        <a:xfrm>
-          <a:off x="0" y="0"/>
-          <a:ext cx="0" cy="0"/>
-          <a:chOff x="0" y="0"/>
-          <a:chExt cx="0" cy="0"/>
-        </a:xfrm>
-      </p:grpSpPr>
-      <p:sp>
-        <p:nvSpPr>
-          <p:cNvPr id="2" name="Title 1">
-            <a:extLst>
-              <a:ext uri="{FF2B5EF4-FFF2-40B4-BE49-F238E27FC236}">
-                <a16:creationId xmlns:a16="http://schemas.microsoft.com/office/drawing/2014/main" id="{CD286305-DAF4-F238-F7D6-F7207E4E7C41}"/>
-              </a:ext>
-            </a:extLst>
-          </p:cNvPr>
-          <p:cNvSpPr>
-            <a:spLocks noGrp="1"/>
-          </p:cNvSpPr>
-          <p:nvPr>
-            <p:ph type="title"/>
-          </p:nvPr>
-        </p:nvSpPr>
-        <p:spPr>
-          <a:xfrm>
-            <a:off x="457200" y="253112"/>
-            <a:ext cx="8229600" cy="698995"/>
-          </a:xfrm>
-        </p:spPr>
-        <p:txBody>
-          <a:bodyPr>
-            <a:normAutofit/>
-          </a:bodyPr>
-          <a:lstStyle/>
-          <a:p>
-            <a:r>
-              <a:rPr lang="en-US" sz="3200" dirty="0" err="1"/>
-              <a:t>Slurm</a:t>
-            </a:r>
-            <a:r>
-              <a:rPr lang="en-US" sz="3200" dirty="0"/>
-              <a:t>: job scheduler</a:t>
-            </a:r>
-          </a:p>
-        </p:txBody>
-      </p:sp>
-      <p:sp>
-        <p:nvSpPr>
-          <p:cNvPr id="4" name="AutoShape 2" descr="On remote">
-            <a:extLst>
-              <a:ext uri="{FF2B5EF4-FFF2-40B4-BE49-F238E27FC236}">
-                <a16:creationId xmlns:a16="http://schemas.microsoft.com/office/drawing/2014/main" id="{5B5F2A39-4965-A7AE-3F4C-3EA40694E06F}"/>
-              </a:ext>
-            </a:extLst>
-          </p:cNvPr>
-          <p:cNvSpPr>
-            <a:spLocks noGrp="1" noChangeAspect="1" noChangeArrowheads="1"/>
-          </p:cNvSpPr>
-          <p:nvPr>
-            <p:ph idx="1"/>
-          </p:nvPr>
-        </p:nvSpPr>
-        <p:spPr bwMode="auto">
-          <a:xfrm>
-            <a:off x="663137" y="2027186"/>
-            <a:ext cx="8108503" cy="1089127"/>
-          </a:xfrm>
-          <a:prstGeom prst="rect">
-            <a:avLst/>
-          </a:prstGeom>
-          <a:noFill/>
-          <a:extLst>
-            <a:ext uri="{909E8E84-426E-40DD-AFC4-6F175D3DCCD1}">
-              <a14:hiddenFill xmlns:a14="http://schemas.microsoft.com/office/drawing/2010/main">
-                <a:solidFill>
-                  <a:srgbClr val="FFFFFF"/>
-                </a:solidFill>
-              </a14:hiddenFill>
-            </a:ext>
-          </a:extLst>
-        </p:spPr>
-        <p:txBody>
-          <a:bodyPr vert="horz" wrap="square" lIns="91440" tIns="45720" rIns="91440" bIns="45720" numCol="1" rtlCol="0" anchor="t" anchorCtr="0" compatLnSpc="1">
-            <a:prstTxWarp prst="textNoShape">
-              <a:avLst/>
-            </a:prstTxWarp>
-            <a:normAutofit/>
-          </a:bodyPr>
-          <a:lstStyle/>
-          <a:p>
-            <a:pPr marL="0" indent="0">
-              <a:buNone/>
-            </a:pPr>
-            <a:r>
-              <a:rPr lang="en-US" sz="2800" b="1" dirty="0" err="1">
-                <a:solidFill>
-                  <a:schemeClr val="accent1">
-                    <a:lumMod val="75000"/>
-                  </a:schemeClr>
-                </a:solidFill>
-                <a:latin typeface="Courier New" panose="02070309020205020404" pitchFamily="49" charset="0"/>
-                <a:cs typeface="Courier New" panose="02070309020205020404" pitchFamily="49" charset="0"/>
-              </a:rPr>
-              <a:t>sbatch</a:t>
-            </a:r>
-            <a:r>
-              <a:rPr lang="en-US" sz="2800" b="1" dirty="0">
-                <a:solidFill>
-                  <a:schemeClr val="accent1">
-                    <a:lumMod val="75000"/>
-                  </a:schemeClr>
-                </a:solidFill>
-                <a:latin typeface="Courier New" panose="02070309020205020404" pitchFamily="49" charset="0"/>
-                <a:cs typeface="Courier New" panose="02070309020205020404" pitchFamily="49" charset="0"/>
-              </a:rPr>
-              <a:t> </a:t>
-            </a:r>
-            <a:r>
-              <a:rPr lang="en-US" sz="2800" b="1" dirty="0" err="1">
-                <a:solidFill>
-                  <a:schemeClr val="accent1">
-                    <a:lumMod val="75000"/>
-                  </a:schemeClr>
-                </a:solidFill>
-                <a:latin typeface="Courier New" panose="02070309020205020404" pitchFamily="49" charset="0"/>
-                <a:cs typeface="Courier New" panose="02070309020205020404" pitchFamily="49" charset="0"/>
-              </a:rPr>
-              <a:t>xxx.sbatch</a:t>
-            </a:r>
-            <a:r>
-              <a:rPr lang="en-US" sz="2800" dirty="0">
-                <a:latin typeface="Courier New" panose="02070309020205020404" pitchFamily="49" charset="0"/>
-                <a:cs typeface="Courier New" panose="02070309020205020404" pitchFamily="49" charset="0"/>
-              </a:rPr>
-              <a:t> # to submit jobs</a:t>
-            </a:r>
-          </a:p>
-          <a:p>
-            <a:pPr marL="0" indent="0">
-              <a:buNone/>
-            </a:pPr>
-            <a:r>
-              <a:rPr lang="en-US" sz="2800" b="1" dirty="0" err="1">
-                <a:solidFill>
-                  <a:schemeClr val="accent1">
-                    <a:lumMod val="75000"/>
-                  </a:schemeClr>
-                </a:solidFill>
-                <a:latin typeface="Courier New" panose="02070309020205020404" pitchFamily="49" charset="0"/>
-                <a:cs typeface="Courier New" panose="02070309020205020404" pitchFamily="49" charset="0"/>
-              </a:rPr>
-              <a:t>kstat</a:t>
-            </a:r>
-            <a:r>
-              <a:rPr lang="en-US" sz="2800" b="1" dirty="0">
-                <a:solidFill>
-                  <a:schemeClr val="accent1">
-                    <a:lumMod val="75000"/>
-                  </a:schemeClr>
-                </a:solidFill>
-                <a:latin typeface="Courier New" panose="02070309020205020404" pitchFamily="49" charset="0"/>
-                <a:cs typeface="Courier New" panose="02070309020205020404" pitchFamily="49" charset="0"/>
-              </a:rPr>
-              <a:t> -d 1 </a:t>
-            </a:r>
-            <a:r>
-              <a:rPr lang="en-US" sz="2800" dirty="0">
-                <a:latin typeface="Courier New" panose="02070309020205020404" pitchFamily="49" charset="0"/>
-                <a:cs typeface="Courier New" panose="02070309020205020404" pitchFamily="49" charset="0"/>
-              </a:rPr>
-              <a:t># to monitor jobs</a:t>
-            </a:r>
-          </a:p>
-        </p:txBody>
-      </p:sp>
-    </p:spTree>
-    <p:extLst>
-      <p:ext uri="{BB962C8B-B14F-4D97-AF65-F5344CB8AC3E}">
-        <p14:creationId xmlns:p14="http://schemas.microsoft.com/office/powerpoint/2010/main" val="2395388734"/>
-      </p:ext>
-    </p:extLst>
-  </p:cSld>
-  <p:clrMapOvr>
-    <a:masterClrMapping/>
-  </p:clrMapOvr>
 </p:sld>
 </file>
 
